--- a/포트폴리오/언리얼_클라_오다은.pptx
+++ b/포트폴리오/언리얼_클라_오다은.pptx
@@ -8,28 +8,38 @@
     <p:sldId id="256" r:id="rId2"/>
     <p:sldId id="258" r:id="rId3"/>
     <p:sldId id="259" r:id="rId4"/>
-    <p:sldId id="260" r:id="rId5"/>
-    <p:sldId id="261" r:id="rId6"/>
-    <p:sldId id="262" r:id="rId7"/>
+    <p:sldId id="264" r:id="rId5"/>
+    <p:sldId id="260" r:id="rId6"/>
+    <p:sldId id="263" r:id="rId7"/>
+    <p:sldId id="261" r:id="rId8"/>
+    <p:sldId id="262" r:id="rId9"/>
   </p:sldIdLst>
   <p:sldSz cx="18288000" cy="10287000"/>
   <p:notesSz cx="6858000" cy="9144000"/>
   <p:embeddedFontLst>
     <p:embeddedFont>
-      <p:font typeface="넥슨Lv1고딕" panose="00000500000000000000" pitchFamily="2" charset="-127"/>
-      <p:regular r:id="rId8"/>
-    </p:embeddedFont>
-    <p:embeddedFont>
-      <p:font typeface="넥슨Lv1고딕 Bold" panose="00000800000000000000" pitchFamily="2" charset="-127"/>
-      <p:bold r:id="rId9"/>
-    </p:embeddedFont>
-    <p:embeddedFont>
-      <p:font typeface="넥슨Lv1고딕 Light" panose="00000300000000000000" pitchFamily="2" charset="-127"/>
+      <p:font typeface="넥슨Lv1고딕 Light" panose="020B0600000101010101" charset="-127"/>
       <p:regular r:id="rId10"/>
     </p:embeddedFont>
     <p:embeddedFont>
-      <p:font typeface="아리따-부리(TTF)-Bold" panose="02020603020101020101" pitchFamily="18" charset="-127"/>
-      <p:bold r:id="rId11"/>
+      <p:font typeface="넥슨Lv1고딕" panose="020B0600000101010101" charset="-127"/>
+      <p:regular r:id="rId11"/>
+    </p:embeddedFont>
+    <p:embeddedFont>
+      <p:font typeface="넥슨Lv1고딕 Bold" panose="020B0600000101010101" charset="-127"/>
+      <p:bold r:id="rId12"/>
+    </p:embeddedFont>
+    <p:embeddedFont>
+      <p:font typeface="맑은 고딕" panose="020B0503020000020004" pitchFamily="50" charset="-127"/>
+      <p:regular r:id="rId13"/>
+      <p:bold r:id="rId14"/>
+    </p:embeddedFont>
+    <p:embeddedFont>
+      <p:font typeface="Calibri" panose="020F0502020204030204" pitchFamily="34" charset="0"/>
+      <p:regular r:id="rId15"/>
+      <p:bold r:id="rId16"/>
+      <p:italic r:id="rId17"/>
+      <p:boldItalic r:id="rId18"/>
     </p:embeddedFont>
   </p:embeddedFontLst>
   <p:defaultTextStyle>
@@ -326,7 +336,7 @@
             <a:fld id="{1D8BD707-D9CF-40AE-B4C6-C98DA3205C09}" type="datetimeFigureOut">
               <a:rPr lang="en-US" smtClean="0"/>
               <a:pPr/>
-              <a:t>9/2/2024</a:t>
+              <a:t>9/3/2024</a:t>
             </a:fld>
             <a:endParaRPr lang="en-US"/>
           </a:p>
@@ -491,7 +501,7 @@
             <a:fld id="{1D8BD707-D9CF-40AE-B4C6-C98DA3205C09}" type="datetimeFigureOut">
               <a:rPr lang="en-US" smtClean="0"/>
               <a:pPr/>
-              <a:t>9/2/2024</a:t>
+              <a:t>9/3/2024</a:t>
             </a:fld>
             <a:endParaRPr lang="en-US"/>
           </a:p>
@@ -666,7 +676,7 @@
             <a:fld id="{1D8BD707-D9CF-40AE-B4C6-C98DA3205C09}" type="datetimeFigureOut">
               <a:rPr lang="en-US" smtClean="0"/>
               <a:pPr/>
-              <a:t>9/2/2024</a:t>
+              <a:t>9/3/2024</a:t>
             </a:fld>
             <a:endParaRPr lang="en-US"/>
           </a:p>
@@ -831,7 +841,7 @@
             <a:fld id="{1D8BD707-D9CF-40AE-B4C6-C98DA3205C09}" type="datetimeFigureOut">
               <a:rPr lang="en-US" smtClean="0"/>
               <a:pPr/>
-              <a:t>9/2/2024</a:t>
+              <a:t>9/3/2024</a:t>
             </a:fld>
             <a:endParaRPr lang="en-US"/>
           </a:p>
@@ -1073,7 +1083,7 @@
             <a:fld id="{1D8BD707-D9CF-40AE-B4C6-C98DA3205C09}" type="datetimeFigureOut">
               <a:rPr lang="en-US" smtClean="0"/>
               <a:pPr/>
-              <a:t>9/2/2024</a:t>
+              <a:t>9/3/2024</a:t>
             </a:fld>
             <a:endParaRPr lang="en-US"/>
           </a:p>
@@ -1355,7 +1365,7 @@
             <a:fld id="{1D8BD707-D9CF-40AE-B4C6-C98DA3205C09}" type="datetimeFigureOut">
               <a:rPr lang="en-US" smtClean="0"/>
               <a:pPr/>
-              <a:t>9/2/2024</a:t>
+              <a:t>9/3/2024</a:t>
             </a:fld>
             <a:endParaRPr lang="en-US"/>
           </a:p>
@@ -1771,7 +1781,7 @@
             <a:fld id="{1D8BD707-D9CF-40AE-B4C6-C98DA3205C09}" type="datetimeFigureOut">
               <a:rPr lang="en-US" smtClean="0"/>
               <a:pPr/>
-              <a:t>9/2/2024</a:t>
+              <a:t>9/3/2024</a:t>
             </a:fld>
             <a:endParaRPr lang="en-US"/>
           </a:p>
@@ -1885,7 +1895,7 @@
             <a:fld id="{1D8BD707-D9CF-40AE-B4C6-C98DA3205C09}" type="datetimeFigureOut">
               <a:rPr lang="en-US" smtClean="0"/>
               <a:pPr/>
-              <a:t>9/2/2024</a:t>
+              <a:t>9/3/2024</a:t>
             </a:fld>
             <a:endParaRPr lang="en-US"/>
           </a:p>
@@ -1977,7 +1987,7 @@
             <a:fld id="{1D8BD707-D9CF-40AE-B4C6-C98DA3205C09}" type="datetimeFigureOut">
               <a:rPr lang="en-US" smtClean="0"/>
               <a:pPr/>
-              <a:t>9/2/2024</a:t>
+              <a:t>9/3/2024</a:t>
             </a:fld>
             <a:endParaRPr lang="en-US"/>
           </a:p>
@@ -2249,7 +2259,7 @@
             <a:fld id="{1D8BD707-D9CF-40AE-B4C6-C98DA3205C09}" type="datetimeFigureOut">
               <a:rPr lang="en-US" smtClean="0"/>
               <a:pPr/>
-              <a:t>9/2/2024</a:t>
+              <a:t>9/3/2024</a:t>
             </a:fld>
             <a:endParaRPr lang="en-US"/>
           </a:p>
@@ -2498,7 +2508,7 @@
             <a:fld id="{1D8BD707-D9CF-40AE-B4C6-C98DA3205C09}" type="datetimeFigureOut">
               <a:rPr lang="en-US" smtClean="0"/>
               <a:pPr/>
-              <a:t>9/2/2024</a:t>
+              <a:t>9/3/2024</a:t>
             </a:fld>
             <a:endParaRPr lang="en-US"/>
           </a:p>
@@ -2706,7 +2716,7 @@
             <a:fld id="{1D8BD707-D9CF-40AE-B4C6-C98DA3205C09}" type="datetimeFigureOut">
               <a:rPr lang="en-US" smtClean="0"/>
               <a:pPr/>
-              <a:t>9/2/2024</a:t>
+              <a:t>9/3/2024</a:t>
             </a:fld>
             <a:endParaRPr lang="en-US"/>
           </a:p>
@@ -3961,7 +3971,7 @@
         <p:spPr>
           <a:xfrm>
             <a:off x="1524000" y="1943100"/>
-            <a:ext cx="13596455" cy="7107267"/>
+            <a:ext cx="13596455" cy="8309967"/>
           </a:xfrm>
           <a:prstGeom prst="rect">
             <a:avLst/>
@@ -4097,11 +4107,119 @@
                 <a:cs typeface=" Avenir Next Arabic Bold"/>
                 <a:sym typeface=" Avenir Next Arabic Bold"/>
               </a:rPr>
-              <a:t> 상대의 포탈을 파괴하고 자신의 포탈을 지키는 게임</a:t>
-            </a:r>
-            <a:endParaRPr lang="en-US" altLang="ko-KR" sz="2500" spc="79" dirty="0">
+              <a:t> 상대의 포탈을 파괴하고 자신의 포탈을 지키는 </a:t>
+            </a:r>
+            <a:r>
+              <a:rPr lang="ko-KR" altLang="en-US" sz="2500" spc="79" dirty="0" smtClean="0">
+                <a:solidFill>
+                  <a:srgbClr val="000000"/>
+                </a:solidFill>
+                <a:latin typeface="넥슨Lv1고딕 Light" panose="00000300000000000000" pitchFamily="2" charset="-127"/>
+                <a:ea typeface="넥슨Lv1고딕 Light" panose="00000300000000000000" pitchFamily="2" charset="-127"/>
+                <a:cs typeface=" Avenir Next Arabic Bold"/>
+                <a:sym typeface=" Avenir Next Arabic Bold"/>
+              </a:rPr>
+              <a:t>게임 </a:t>
+            </a:r>
+            <a:r>
+              <a:rPr lang="en-US" altLang="ko-KR" sz="2500" b="1" spc="79" dirty="0" smtClean="0">
+                <a:solidFill>
+                  <a:srgbClr val="0070C0"/>
+                </a:solidFill>
+                <a:latin typeface="넥슨Lv1고딕 Light" panose="00000300000000000000" pitchFamily="2" charset="-127"/>
+                <a:ea typeface="넥슨Lv1고딕 Light" panose="00000300000000000000" pitchFamily="2" charset="-127"/>
+                <a:cs typeface=" Avenir Next Arabic Bold"/>
+                <a:sym typeface=" Avenir Next Arabic Bold"/>
+              </a:rPr>
+              <a:t>&lt;= </a:t>
+            </a:r>
+            <a:r>
+              <a:rPr lang="ko-KR" altLang="en-US" sz="2500" b="1" spc="79" dirty="0" smtClean="0">
+                <a:solidFill>
+                  <a:srgbClr val="0070C0"/>
+                </a:solidFill>
+                <a:latin typeface="넥슨Lv1고딕 Light" panose="00000300000000000000" pitchFamily="2" charset="-127"/>
+                <a:ea typeface="넥슨Lv1고딕 Light" panose="00000300000000000000" pitchFamily="2" charset="-127"/>
+                <a:cs typeface=" Avenir Next Arabic Bold"/>
+                <a:sym typeface=" Avenir Next Arabic Bold"/>
+              </a:rPr>
+              <a:t>처음 이 문서를 보는 사람도 무슨 게임인지 알 수 있도록 좀더 자세하게</a:t>
+            </a:r>
+            <a:r>
+              <a:rPr lang="en-US" altLang="ko-KR" sz="2500" b="1" spc="79" dirty="0" smtClean="0">
+                <a:solidFill>
+                  <a:srgbClr val="0070C0"/>
+                </a:solidFill>
+                <a:latin typeface="넥슨Lv1고딕 Light" panose="00000300000000000000" pitchFamily="2" charset="-127"/>
+                <a:ea typeface="넥슨Lv1고딕 Light" panose="00000300000000000000" pitchFamily="2" charset="-127"/>
+                <a:cs typeface=" Avenir Next Arabic Bold"/>
+                <a:sym typeface=" Avenir Next Arabic Bold"/>
+              </a:rPr>
+              <a:t>, </a:t>
+            </a:r>
+            <a:r>
+              <a:rPr lang="ko-KR" altLang="en-US" sz="2500" b="1" spc="79" dirty="0" err="1" smtClean="0">
+                <a:solidFill>
+                  <a:srgbClr val="0070C0"/>
+                </a:solidFill>
+                <a:latin typeface="넥슨Lv1고딕 Light" panose="00000300000000000000" pitchFamily="2" charset="-127"/>
+                <a:ea typeface="넥슨Lv1고딕 Light" panose="00000300000000000000" pitchFamily="2" charset="-127"/>
+                <a:cs typeface=" Avenir Next Arabic Bold"/>
+                <a:sym typeface=" Avenir Next Arabic Bold"/>
+              </a:rPr>
+              <a:t>한페이지</a:t>
+            </a:r>
+            <a:r>
+              <a:rPr lang="ko-KR" altLang="en-US" sz="2500" b="1" spc="79" dirty="0" smtClean="0">
+                <a:solidFill>
+                  <a:srgbClr val="0070C0"/>
+                </a:solidFill>
+                <a:latin typeface="넥슨Lv1고딕 Light" panose="00000300000000000000" pitchFamily="2" charset="-127"/>
+                <a:ea typeface="넥슨Lv1고딕 Light" panose="00000300000000000000" pitchFamily="2" charset="-127"/>
+                <a:cs typeface=" Avenir Next Arabic Bold"/>
+                <a:sym typeface=" Avenir Next Arabic Bold"/>
+              </a:rPr>
+              <a:t> 정도를 </a:t>
+            </a:r>
+            <a:r>
+              <a:rPr lang="ko-KR" altLang="en-US" sz="2500" b="1" spc="79" dirty="0" err="1" smtClean="0">
+                <a:solidFill>
+                  <a:srgbClr val="0070C0"/>
+                </a:solidFill>
+                <a:latin typeface="넥슨Lv1고딕 Light" panose="00000300000000000000" pitchFamily="2" charset="-127"/>
+                <a:ea typeface="넥슨Lv1고딕 Light" panose="00000300000000000000" pitchFamily="2" charset="-127"/>
+                <a:cs typeface=" Avenir Next Arabic Bold"/>
+                <a:sym typeface=" Avenir Next Arabic Bold"/>
+              </a:rPr>
+              <a:t>스샷과</a:t>
+            </a:r>
+            <a:r>
+              <a:rPr lang="ko-KR" altLang="en-US" sz="2500" b="1" spc="79" dirty="0" smtClean="0">
+                <a:solidFill>
+                  <a:srgbClr val="0070C0"/>
+                </a:solidFill>
+                <a:latin typeface="넥슨Lv1고딕 Light" panose="00000300000000000000" pitchFamily="2" charset="-127"/>
+                <a:ea typeface="넥슨Lv1고딕 Light" panose="00000300000000000000" pitchFamily="2" charset="-127"/>
+                <a:cs typeface=" Avenir Next Arabic Bold"/>
+                <a:sym typeface=" Avenir Next Arabic Bold"/>
+              </a:rPr>
+              <a:t> 함께 게임 설명에 투자하는 것이 좋음</a:t>
+            </a:r>
+            <a:r>
+              <a:rPr lang="en-US" altLang="ko-KR" sz="2500" b="1" spc="79" dirty="0" smtClean="0">
+                <a:solidFill>
+                  <a:srgbClr val="0070C0"/>
+                </a:solidFill>
+                <a:latin typeface="넥슨Lv1고딕 Light" panose="00000300000000000000" pitchFamily="2" charset="-127"/>
+                <a:ea typeface="넥슨Lv1고딕 Light" panose="00000300000000000000" pitchFamily="2" charset="-127"/>
+                <a:cs typeface=" Avenir Next Arabic Bold"/>
+                <a:sym typeface=" Avenir Next Arabic Bold"/>
+              </a:rPr>
+              <a:t>)</a:t>
+            </a:r>
+            <a:endParaRPr lang="en-US" altLang="ko-KR" sz="2500" b="1" spc="79" dirty="0">
               <a:solidFill>
-                <a:srgbClr val="000000"/>
+                <a:srgbClr val="0070C0"/>
               </a:solidFill>
               <a:latin typeface="넥슨Lv1고딕 Light" panose="00000300000000000000" pitchFamily="2" charset="-127"/>
               <a:ea typeface="넥슨Lv1고딕 Light" panose="00000300000000000000" pitchFamily="2" charset="-127"/>
@@ -4295,8 +4413,29 @@
                 <a:cs typeface=" Avenir Next Arabic Bold"/>
                 <a:sym typeface=" Avenir Next Arabic Bold"/>
               </a:rPr>
-              <a:t>: Visual Studio 2022, Unreal 5.3</a:t>
-            </a:r>
+              <a:t>: Visual Studio 2022, Unreal </a:t>
+            </a:r>
+            <a:r>
+              <a:rPr lang="en-US" altLang="ko-KR" sz="2500" spc="79" dirty="0" smtClean="0">
+                <a:solidFill>
+                  <a:srgbClr val="000000"/>
+                </a:solidFill>
+                <a:latin typeface="넥슨Lv1고딕 Light" panose="00000300000000000000" pitchFamily="2" charset="-127"/>
+                <a:ea typeface="넥슨Lv1고딕 Light" panose="00000300000000000000" pitchFamily="2" charset="-127"/>
+                <a:cs typeface=" Avenir Next Arabic Bold"/>
+                <a:sym typeface=" Avenir Next Arabic Bold"/>
+              </a:rPr>
+              <a:t>5.3, GIT</a:t>
+            </a:r>
+            <a:endParaRPr lang="en-US" altLang="ko-KR" sz="2500" spc="79" dirty="0">
+              <a:solidFill>
+                <a:srgbClr val="000000"/>
+              </a:solidFill>
+              <a:latin typeface="넥슨Lv1고딕 Light" panose="00000300000000000000" pitchFamily="2" charset="-127"/>
+              <a:ea typeface="넥슨Lv1고딕 Light" panose="00000300000000000000" pitchFamily="2" charset="-127"/>
+              <a:cs typeface=" Avenir Next Arabic Bold"/>
+              <a:sym typeface=" Avenir Next Arabic Bold"/>
+            </a:endParaRPr>
           </a:p>
           <a:p>
             <a:pPr algn="l">
@@ -4571,7 +4710,55 @@
                 <a:cs typeface=" Avenir Next Arabic Bold"/>
                 <a:sym typeface=" Avenir Next Arabic Bold"/>
               </a:rPr>
-              <a:t>개 구현</a:t>
+              <a:t>개 </a:t>
+            </a:r>
+            <a:r>
+              <a:rPr lang="ko-KR" altLang="en-US" sz="2000" spc="79" dirty="0" smtClean="0">
+                <a:solidFill>
+                  <a:srgbClr val="000000"/>
+                </a:solidFill>
+                <a:latin typeface="넥슨Lv1고딕 Light" panose="00000300000000000000" pitchFamily="2" charset="-127"/>
+                <a:ea typeface="넥슨Lv1고딕 Light" panose="00000300000000000000" pitchFamily="2" charset="-127"/>
+                <a:cs typeface=" Avenir Next Arabic Bold"/>
+                <a:sym typeface=" Avenir Next Arabic Bold"/>
+              </a:rPr>
+              <a:t>구현 </a:t>
+            </a:r>
+            <a:r>
+              <a:rPr lang="en-US" altLang="ko-KR" sz="2000" spc="79" dirty="0" smtClean="0">
+                <a:solidFill>
+                  <a:srgbClr val="000000"/>
+                </a:solidFill>
+                <a:latin typeface="넥슨Lv1고딕 Light" panose="00000300000000000000" pitchFamily="2" charset="-127"/>
+                <a:ea typeface="넥슨Lv1고딕 Light" panose="00000300000000000000" pitchFamily="2" charset="-127"/>
+                <a:cs typeface=" Avenir Next Arabic Bold"/>
+                <a:sym typeface=" Avenir Next Arabic Bold"/>
+              </a:rPr>
+              <a:t>(</a:t>
+            </a:r>
+            <a:r>
+              <a:rPr lang="ko-KR" altLang="en-US" sz="2000" spc="79" dirty="0" smtClean="0">
+                <a:solidFill>
+                  <a:srgbClr val="000000"/>
+                </a:solidFill>
+                <a:latin typeface="넥슨Lv1고딕 Light" panose="00000300000000000000" pitchFamily="2" charset="-127"/>
+                <a:ea typeface="넥슨Lv1고딕 Light" panose="00000300000000000000" pitchFamily="2" charset="-127"/>
+                <a:cs typeface=" Avenir Next Arabic Bold"/>
+                <a:sym typeface=" Avenir Next Arabic Bold"/>
+              </a:rPr>
+              <a:t>지형 제작</a:t>
+            </a:r>
+            <a:r>
+              <a:rPr lang="en-US" altLang="ko-KR" sz="2000" spc="79" dirty="0" smtClean="0">
+                <a:solidFill>
+                  <a:srgbClr val="000000"/>
+                </a:solidFill>
+                <a:latin typeface="넥슨Lv1고딕 Light" panose="00000300000000000000" pitchFamily="2" charset="-127"/>
+                <a:ea typeface="넥슨Lv1고딕 Light" panose="00000300000000000000" pitchFamily="2" charset="-127"/>
+                <a:cs typeface=" Avenir Next Arabic Bold"/>
+                <a:sym typeface=" Avenir Next Arabic Bold"/>
+              </a:rPr>
+              <a:t>)</a:t>
             </a:r>
             <a:endParaRPr lang="en-US" altLang="ko-KR" sz="2000" spc="79" dirty="0">
               <a:solidFill>
@@ -4769,14 +4956,6 @@
 <file path=ppt/slides/slide4.xml><?xml version="1.0" encoding="utf-8"?>
 <p:sld xmlns:a="http://schemas.openxmlformats.org/drawingml/2006/main" xmlns:r="http://schemas.openxmlformats.org/officeDocument/2006/relationships" xmlns:p="http://schemas.openxmlformats.org/presentationml/2006/main">
   <p:cSld>
-    <p:bg>
-      <p:bgPr>
-        <a:solidFill>
-          <a:srgbClr val="F8F5F0"/>
-        </a:solidFill>
-        <a:effectLst/>
-      </p:bgPr>
-    </p:bg>
     <p:spTree>
       <p:nvGrpSpPr>
         <p:cNvPr id="1" name=""/>
@@ -4793,1053 +4972,65 @@
       </p:grpSpPr>
       <p:sp>
         <p:nvSpPr>
-          <p:cNvPr id="4" name="TextBox 4"/>
-          <p:cNvSpPr txBox="1"/>
-          <p:nvPr/>
+          <p:cNvPr id="2" name="제목 1"/>
+          <p:cNvSpPr>
+            <a:spLocks noGrp="1"/>
+          </p:cNvSpPr>
+          <p:nvPr>
+            <p:ph type="title"/>
+          </p:nvPr>
         </p:nvSpPr>
         <p:spPr>
           <a:xfrm>
-            <a:off x="1567345" y="701198"/>
-            <a:ext cx="5595455" cy="510524"/>
+            <a:off x="457200" y="274638"/>
+            <a:ext cx="12039600" cy="1143000"/>
           </a:xfrm>
-          <a:prstGeom prst="rect">
-            <a:avLst/>
-          </a:prstGeom>
         </p:spPr>
         <p:txBody>
-          <a:bodyPr wrap="square" lIns="0" tIns="0" rIns="0" bIns="0" rtlCol="0" anchor="t">
-            <a:spAutoFit/>
+          <a:bodyPr>
+            <a:normAutofit/>
           </a:bodyPr>
           <a:lstStyle/>
           <a:p>
-            <a:pPr algn="l">
-              <a:lnSpc>
-                <a:spcPts val="4200"/>
-              </a:lnSpc>
-              <a:spcBef>
-                <a:spcPct val="0"/>
-              </a:spcBef>
-            </a:pPr>
-            <a:r>
-              <a:rPr lang="ko-KR" altLang="en-US" sz="3000" spc="89" dirty="0">
-                <a:solidFill>
-                  <a:srgbClr val="000000"/>
-                </a:solidFill>
-                <a:latin typeface="넥슨Lv1고딕 Bold" panose="00000800000000000000" pitchFamily="2" charset="-127"/>
-                <a:ea typeface="넥슨Lv1고딕 Bold" panose="00000800000000000000" pitchFamily="2" charset="-127"/>
-                <a:cs typeface="Nanum Square Bold"/>
-                <a:sym typeface="Nanum Square Bold"/>
-              </a:rPr>
-              <a:t>제작 시 어려웠던 부분</a:t>
-            </a:r>
-            <a:endParaRPr lang="en-US" sz="3000" spc="89" dirty="0">
-              <a:solidFill>
-                <a:srgbClr val="000000"/>
-              </a:solidFill>
-              <a:latin typeface="넥슨Lv1고딕 Bold" panose="00000800000000000000" pitchFamily="2" charset="-127"/>
-              <a:ea typeface="넥슨Lv1고딕 Bold" panose="00000800000000000000" pitchFamily="2" charset="-127"/>
-              <a:cs typeface="Nanum Square Bold"/>
-              <a:sym typeface="Nanum Square Bold"/>
-            </a:endParaRPr>
-          </a:p>
-        </p:txBody>
-      </p:sp>
-      <p:sp>
-        <p:nvSpPr>
-          <p:cNvPr id="9" name="TextBox 5">
-            <a:extLst>
-              <a:ext uri="{FF2B5EF4-FFF2-40B4-BE49-F238E27FC236}">
-                <a16:creationId xmlns:a16="http://schemas.microsoft.com/office/drawing/2014/main" id="{3CC6EE9A-B926-A6D1-3683-FA7E2D3CACFB}"/>
-              </a:ext>
-            </a:extLst>
-          </p:cNvPr>
-          <p:cNvSpPr txBox="1"/>
-          <p:nvPr/>
-        </p:nvSpPr>
-        <p:spPr>
-          <a:xfrm>
-            <a:off x="1567345" y="1422556"/>
-            <a:ext cx="15120455" cy="1093504"/>
-          </a:xfrm>
-          <a:prstGeom prst="rect">
-            <a:avLst/>
-          </a:prstGeom>
-        </p:spPr>
-        <p:txBody>
-          <a:bodyPr wrap="square" lIns="0" tIns="0" rIns="0" bIns="0" rtlCol="0" anchor="t">
-            <a:spAutoFit/>
-          </a:bodyPr>
+            <a:r>
+              <a:rPr lang="ko-KR" altLang="en-US" dirty="0" smtClean="0"/>
+              <a:t>자신이 제작한 것의 목록을 </a:t>
+            </a:r>
+            <a:r>
+              <a:rPr lang="ko-KR" altLang="en-US" dirty="0" err="1" smtClean="0"/>
+              <a:t>스샷과</a:t>
+            </a:r>
+            <a:r>
+              <a:rPr lang="ko-KR" altLang="en-US" dirty="0" smtClean="0"/>
+              <a:t> 함께 나열</a:t>
+            </a:r>
+            <a:endParaRPr lang="ko-KR" altLang="en-US" dirty="0"/>
+          </a:p>
+        </p:txBody>
+      </p:sp>
+      <p:sp>
+        <p:nvSpPr>
+          <p:cNvPr id="3" name="내용 개체 틀 2"/>
+          <p:cNvSpPr>
+            <a:spLocks noGrp="1"/>
+          </p:cNvSpPr>
+          <p:nvPr>
+            <p:ph idx="1"/>
+          </p:nvPr>
+        </p:nvSpPr>
+        <p:spPr/>
+        <p:txBody>
+          <a:bodyPr/>
           <a:lstStyle/>
           <a:p>
-            <a:pPr>
-              <a:lnSpc>
-                <a:spcPct val="150000"/>
-              </a:lnSpc>
-              <a:spcBef>
-                <a:spcPct val="0"/>
-              </a:spcBef>
-            </a:pPr>
-            <a:r>
-              <a:rPr lang="en-US" altLang="ko-KR" sz="2500" spc="79" dirty="0">
-                <a:solidFill>
-                  <a:srgbClr val="000000"/>
-                </a:solidFill>
-                <a:latin typeface="넥슨Lv1고딕 Light" panose="00000300000000000000" pitchFamily="2" charset="-127"/>
-                <a:ea typeface="넥슨Lv1고딕 Light" panose="00000300000000000000" pitchFamily="2" charset="-127"/>
-                <a:cs typeface=" Avenir Next Arabic Bold"/>
-                <a:sym typeface=" Avenir Next Arabic Bold"/>
-              </a:rPr>
-              <a:t>- </a:t>
-            </a:r>
-            <a:r>
-              <a:rPr lang="ko-KR" altLang="en-US" sz="2500" spc="79" dirty="0">
-                <a:solidFill>
-                  <a:srgbClr val="000000"/>
-                </a:solidFill>
-                <a:latin typeface="넥슨Lv1고딕 Light" panose="00000300000000000000" pitchFamily="2" charset="-127"/>
-                <a:ea typeface="넥슨Lv1고딕 Light" panose="00000300000000000000" pitchFamily="2" charset="-127"/>
-                <a:cs typeface=" Avenir Next Arabic Bold"/>
-                <a:sym typeface=" Avenir Next Arabic Bold"/>
-              </a:rPr>
-              <a:t>블록 </a:t>
-            </a:r>
-            <a:r>
-              <a:rPr lang="ko-KR" altLang="en-US" sz="2500" spc="79" dirty="0" err="1">
-                <a:solidFill>
-                  <a:srgbClr val="000000"/>
-                </a:solidFill>
-                <a:latin typeface="넥슨Lv1고딕 Light" panose="00000300000000000000" pitchFamily="2" charset="-127"/>
-                <a:ea typeface="넥슨Lv1고딕 Light" panose="00000300000000000000" pitchFamily="2" charset="-127"/>
-                <a:cs typeface=" Avenir Next Arabic Bold"/>
-                <a:sym typeface=" Avenir Next Arabic Bold"/>
-              </a:rPr>
-              <a:t>맵을</a:t>
-            </a:r>
-            <a:r>
-              <a:rPr lang="ko-KR" altLang="en-US" sz="2500" spc="79" dirty="0">
-                <a:solidFill>
-                  <a:srgbClr val="000000"/>
-                </a:solidFill>
-                <a:latin typeface="넥슨Lv1고딕 Light" panose="00000300000000000000" pitchFamily="2" charset="-127"/>
-                <a:ea typeface="넥슨Lv1고딕 Light" panose="00000300000000000000" pitchFamily="2" charset="-127"/>
-                <a:cs typeface=" Avenir Next Arabic Bold"/>
-                <a:sym typeface=" Avenir Next Arabic Bold"/>
-              </a:rPr>
-              <a:t> 생성할 때</a:t>
-            </a:r>
-            <a:r>
-              <a:rPr lang="en-US" altLang="ko-KR" sz="2500" spc="79" dirty="0">
-                <a:solidFill>
-                  <a:srgbClr val="000000"/>
-                </a:solidFill>
-                <a:latin typeface="넥슨Lv1고딕 Light" panose="00000300000000000000" pitchFamily="2" charset="-127"/>
-                <a:ea typeface="넥슨Lv1고딕 Light" panose="00000300000000000000" pitchFamily="2" charset="-127"/>
-                <a:cs typeface=" Avenir Next Arabic Bold"/>
-                <a:sym typeface=" Avenir Next Arabic Bold"/>
-              </a:rPr>
-              <a:t>, </a:t>
-            </a:r>
-            <a:r>
-              <a:rPr lang="ko-KR" altLang="en-US" sz="2500" spc="79" dirty="0">
-                <a:solidFill>
-                  <a:srgbClr val="000000"/>
-                </a:solidFill>
-                <a:latin typeface="넥슨Lv1고딕 Light" panose="00000300000000000000" pitchFamily="2" charset="-127"/>
-                <a:ea typeface="넥슨Lv1고딕 Light" panose="00000300000000000000" pitchFamily="2" charset="-127"/>
-                <a:cs typeface=" Avenir Next Arabic Bold"/>
-                <a:sym typeface=" Avenir Next Arabic Bold"/>
-              </a:rPr>
-              <a:t>블록 하나 당 큐브 </a:t>
-            </a:r>
-            <a:r>
-              <a:rPr lang="ko-KR" altLang="en-US" sz="2500" spc="79" dirty="0" err="1">
-                <a:solidFill>
-                  <a:srgbClr val="000000"/>
-                </a:solidFill>
-                <a:latin typeface="넥슨Lv1고딕 Light" panose="00000300000000000000" pitchFamily="2" charset="-127"/>
-                <a:ea typeface="넥슨Lv1고딕 Light" panose="00000300000000000000" pitchFamily="2" charset="-127"/>
-                <a:cs typeface=" Avenir Next Arabic Bold"/>
-                <a:sym typeface=" Avenir Next Arabic Bold"/>
-              </a:rPr>
-              <a:t>액터</a:t>
-            </a:r>
-            <a:r>
-              <a:rPr lang="ko-KR" altLang="en-US" sz="2500" spc="79" dirty="0">
-                <a:solidFill>
-                  <a:srgbClr val="000000"/>
-                </a:solidFill>
-                <a:latin typeface="넥슨Lv1고딕 Light" panose="00000300000000000000" pitchFamily="2" charset="-127"/>
-                <a:ea typeface="넥슨Lv1고딕 Light" panose="00000300000000000000" pitchFamily="2" charset="-127"/>
-                <a:cs typeface=" Avenir Next Arabic Bold"/>
-                <a:sym typeface=" Avenir Next Arabic Bold"/>
-              </a:rPr>
-              <a:t> 하나를 넣으면 효율이 매우 떨어져</a:t>
-            </a:r>
-            <a:endParaRPr lang="en-US" altLang="ko-KR" sz="2500" spc="79" dirty="0">
-              <a:solidFill>
-                <a:srgbClr val="000000"/>
-              </a:solidFill>
-              <a:latin typeface="넥슨Lv1고딕 Light" panose="00000300000000000000" pitchFamily="2" charset="-127"/>
-              <a:ea typeface="넥슨Lv1고딕 Light" panose="00000300000000000000" pitchFamily="2" charset="-127"/>
-              <a:cs typeface=" Avenir Next Arabic Bold"/>
-              <a:sym typeface=" Avenir Next Arabic Bold"/>
-            </a:endParaRPr>
-          </a:p>
-          <a:p>
-            <a:pPr>
-              <a:lnSpc>
-                <a:spcPct val="150000"/>
-              </a:lnSpc>
-              <a:spcBef>
-                <a:spcPct val="0"/>
-              </a:spcBef>
-            </a:pPr>
-            <a:r>
-              <a:rPr lang="ko-KR" altLang="en-US" sz="2500" spc="79" dirty="0">
-                <a:solidFill>
-                  <a:srgbClr val="000000"/>
-                </a:solidFill>
-                <a:latin typeface="넥슨Lv1고딕 Light" panose="00000300000000000000" pitchFamily="2" charset="-127"/>
-                <a:ea typeface="넥슨Lv1고딕 Light" panose="00000300000000000000" pitchFamily="2" charset="-127"/>
-                <a:cs typeface=" Avenir Next Arabic Bold"/>
-                <a:sym typeface=" Avenir Next Arabic Bold"/>
-              </a:rPr>
-              <a:t>   그 방법을 고안하는 데 어려움을 겪음</a:t>
-            </a:r>
-            <a:r>
-              <a:rPr lang="en-US" altLang="ko-KR" sz="2500" spc="79" dirty="0">
-                <a:solidFill>
-                  <a:srgbClr val="000000"/>
-                </a:solidFill>
-                <a:latin typeface="넥슨Lv1고딕 Light" panose="00000300000000000000" pitchFamily="2" charset="-127"/>
-                <a:ea typeface="넥슨Lv1고딕 Light" panose="00000300000000000000" pitchFamily="2" charset="-127"/>
-                <a:cs typeface=" Avenir Next Arabic Bold"/>
-                <a:sym typeface=" Avenir Next Arabic Bold"/>
-              </a:rPr>
-              <a:t>.</a:t>
-            </a:r>
-          </a:p>
-        </p:txBody>
-      </p:sp>
-      <p:sp>
-        <p:nvSpPr>
-          <p:cNvPr id="2" name="TextBox 5">
-            <a:extLst>
-              <a:ext uri="{FF2B5EF4-FFF2-40B4-BE49-F238E27FC236}">
-                <a16:creationId xmlns:a16="http://schemas.microsoft.com/office/drawing/2014/main" id="{D49FFE56-8D0D-3495-AC9A-A52491C685DF}"/>
-              </a:ext>
-            </a:extLst>
-          </p:cNvPr>
-          <p:cNvSpPr txBox="1"/>
-          <p:nvPr/>
-        </p:nvSpPr>
-        <p:spPr>
-          <a:xfrm>
-            <a:off x="1567345" y="3690905"/>
-            <a:ext cx="15120455" cy="2824748"/>
-          </a:xfrm>
-          <a:prstGeom prst="rect">
-            <a:avLst/>
-          </a:prstGeom>
-        </p:spPr>
-        <p:txBody>
-          <a:bodyPr wrap="square" lIns="0" tIns="0" rIns="0" bIns="0" rtlCol="0" anchor="t">
-            <a:spAutoFit/>
-          </a:bodyPr>
-          <a:lstStyle/>
-          <a:p>
-            <a:pPr algn="l">
-              <a:lnSpc>
-                <a:spcPct val="150000"/>
-              </a:lnSpc>
-              <a:spcBef>
-                <a:spcPct val="0"/>
-              </a:spcBef>
-            </a:pPr>
-            <a:r>
-              <a:rPr lang="ko-KR" altLang="en-US" sz="2500" spc="79" dirty="0">
-                <a:solidFill>
-                  <a:srgbClr val="000000"/>
-                </a:solidFill>
-                <a:latin typeface="넥슨Lv1고딕 Light" panose="00000300000000000000" pitchFamily="2" charset="-127"/>
-                <a:ea typeface="넥슨Lv1고딕 Light" panose="00000300000000000000" pitchFamily="2" charset="-127"/>
-                <a:cs typeface=" Avenir Next Arabic Bold"/>
-                <a:sym typeface=" Avenir Next Arabic Bold"/>
-              </a:rPr>
-              <a:t>그래서 블록 맵 전체를 하나의 </a:t>
-            </a:r>
-            <a:r>
-              <a:rPr lang="ko-KR" altLang="en-US" sz="2500" spc="79" dirty="0" err="1">
-                <a:solidFill>
-                  <a:srgbClr val="000000"/>
-                </a:solidFill>
-                <a:latin typeface="넥슨Lv1고딕 Light" panose="00000300000000000000" pitchFamily="2" charset="-127"/>
-                <a:ea typeface="넥슨Lv1고딕 Light" panose="00000300000000000000" pitchFamily="2" charset="-127"/>
-                <a:cs typeface=" Avenir Next Arabic Bold"/>
-                <a:sym typeface=" Avenir Next Arabic Bold"/>
-              </a:rPr>
-              <a:t>액터</a:t>
-            </a:r>
-            <a:r>
-              <a:rPr lang="en-US" altLang="ko-KR" sz="2500" spc="79" dirty="0">
-                <a:solidFill>
-                  <a:srgbClr val="000000"/>
-                </a:solidFill>
-                <a:latin typeface="넥슨Lv1고딕 Light" panose="00000300000000000000" pitchFamily="2" charset="-127"/>
-                <a:ea typeface="넥슨Lv1고딕 Light" panose="00000300000000000000" pitchFamily="2" charset="-127"/>
-                <a:cs typeface=" Avenir Next Arabic Bold"/>
-                <a:sym typeface=" Avenir Next Arabic Bold"/>
-              </a:rPr>
-              <a:t>(world)</a:t>
-            </a:r>
-            <a:r>
-              <a:rPr lang="ko-KR" altLang="en-US" sz="2500" spc="79" dirty="0">
-                <a:solidFill>
-                  <a:srgbClr val="000000"/>
-                </a:solidFill>
-                <a:latin typeface="넥슨Lv1고딕 Light" panose="00000300000000000000" pitchFamily="2" charset="-127"/>
-                <a:ea typeface="넥슨Lv1고딕 Light" panose="00000300000000000000" pitchFamily="2" charset="-127"/>
-                <a:cs typeface=" Avenir Next Arabic Bold"/>
-                <a:sym typeface=" Avenir Next Arabic Bold"/>
-              </a:rPr>
-              <a:t>로 관리했다</a:t>
-            </a:r>
-            <a:r>
-              <a:rPr lang="en-US" altLang="ko-KR" sz="2500" spc="79" dirty="0">
-                <a:solidFill>
-                  <a:srgbClr val="000000"/>
-                </a:solidFill>
-                <a:latin typeface="넥슨Lv1고딕 Light" panose="00000300000000000000" pitchFamily="2" charset="-127"/>
-                <a:ea typeface="넥슨Lv1고딕 Light" panose="00000300000000000000" pitchFamily="2" charset="-127"/>
-                <a:cs typeface=" Avenir Next Arabic Bold"/>
-                <a:sym typeface=" Avenir Next Arabic Bold"/>
-              </a:rPr>
-              <a:t>.</a:t>
-            </a:r>
-          </a:p>
-          <a:p>
-            <a:pPr algn="l">
-              <a:lnSpc>
-                <a:spcPct val="150000"/>
-              </a:lnSpc>
-              <a:spcBef>
-                <a:spcPct val="0"/>
-              </a:spcBef>
-            </a:pPr>
-            <a:r>
-              <a:rPr lang="en-US" altLang="ko-KR" sz="2500" spc="79" dirty="0">
-                <a:solidFill>
-                  <a:srgbClr val="000000"/>
-                </a:solidFill>
-                <a:latin typeface="넥슨Lv1고딕 Light" panose="00000300000000000000" pitchFamily="2" charset="-127"/>
-                <a:ea typeface="넥슨Lv1고딕 Light" panose="00000300000000000000" pitchFamily="2" charset="-127"/>
-                <a:cs typeface=" Avenir Next Arabic Bold"/>
-                <a:sym typeface=" Avenir Next Arabic Bold"/>
-              </a:rPr>
-              <a:t>1.</a:t>
-            </a:r>
-            <a:r>
-              <a:rPr lang="ko-KR" altLang="en-US" sz="2500" spc="79" dirty="0">
-                <a:solidFill>
-                  <a:srgbClr val="000000"/>
-                </a:solidFill>
-                <a:latin typeface="넥슨Lv1고딕 Light" panose="00000300000000000000" pitchFamily="2" charset="-127"/>
-                <a:ea typeface="넥슨Lv1고딕 Light" panose="00000300000000000000" pitchFamily="2" charset="-127"/>
-                <a:cs typeface=" Avenir Next Arabic Bold"/>
-                <a:sym typeface=" Avenir Next Arabic Bold"/>
-              </a:rPr>
-              <a:t> 블록의 종류를 </a:t>
-            </a:r>
-            <a:r>
-              <a:rPr lang="en-US" altLang="ko-KR" sz="2500" spc="79" dirty="0">
-                <a:solidFill>
-                  <a:srgbClr val="000000"/>
-                </a:solidFill>
-                <a:latin typeface="넥슨Lv1고딕 Light" panose="00000300000000000000" pitchFamily="2" charset="-127"/>
-                <a:ea typeface="넥슨Lv1고딕 Light" panose="00000300000000000000" pitchFamily="2" charset="-127"/>
-                <a:cs typeface=" Avenir Next Arabic Bold"/>
-                <a:sym typeface=" Avenir Next Arabic Bold"/>
-              </a:rPr>
-              <a:t>1</a:t>
-            </a:r>
-            <a:r>
-              <a:rPr lang="ko-KR" altLang="en-US" sz="2500" spc="79" dirty="0">
-                <a:solidFill>
-                  <a:srgbClr val="000000"/>
-                </a:solidFill>
-                <a:latin typeface="넥슨Lv1고딕 Light" panose="00000300000000000000" pitchFamily="2" charset="-127"/>
-                <a:ea typeface="넥슨Lv1고딕 Light" panose="00000300000000000000" pitchFamily="2" charset="-127"/>
-                <a:cs typeface=" Avenir Next Arabic Bold"/>
-                <a:sym typeface=" Avenir Next Arabic Bold"/>
-              </a:rPr>
-              <a:t>차원 배열로 저장</a:t>
-            </a:r>
-            <a:endParaRPr lang="en-US" altLang="ko-KR" sz="2500" spc="79" dirty="0">
-              <a:solidFill>
-                <a:srgbClr val="000000"/>
-              </a:solidFill>
-              <a:latin typeface="넥슨Lv1고딕 Light" panose="00000300000000000000" pitchFamily="2" charset="-127"/>
-              <a:ea typeface="넥슨Lv1고딕 Light" panose="00000300000000000000" pitchFamily="2" charset="-127"/>
-              <a:cs typeface=" Avenir Next Arabic Bold"/>
-              <a:sym typeface=" Avenir Next Arabic Bold"/>
-            </a:endParaRPr>
-          </a:p>
-          <a:p>
-            <a:pPr algn="l">
-              <a:lnSpc>
-                <a:spcPct val="150000"/>
-              </a:lnSpc>
-              <a:spcBef>
-                <a:spcPct val="0"/>
-              </a:spcBef>
-            </a:pPr>
-            <a:r>
-              <a:rPr lang="en-US" altLang="ko-KR" sz="2500" spc="79" dirty="0">
-                <a:solidFill>
-                  <a:srgbClr val="000000"/>
-                </a:solidFill>
-                <a:latin typeface="넥슨Lv1고딕 Light" panose="00000300000000000000" pitchFamily="2" charset="-127"/>
-                <a:ea typeface="넥슨Lv1고딕 Light" panose="00000300000000000000" pitchFamily="2" charset="-127"/>
-                <a:cs typeface=" Avenir Next Arabic Bold"/>
-                <a:sym typeface=" Avenir Next Arabic Bold"/>
-              </a:rPr>
-              <a:t>- </a:t>
-            </a:r>
-            <a:r>
-              <a:rPr lang="ko-KR" altLang="en-US" sz="2500" spc="79" dirty="0">
-                <a:solidFill>
-                  <a:srgbClr val="000000"/>
-                </a:solidFill>
-                <a:latin typeface="넥슨Lv1고딕 Light" panose="00000300000000000000" pitchFamily="2" charset="-127"/>
-                <a:ea typeface="넥슨Lv1고딕 Light" panose="00000300000000000000" pitchFamily="2" charset="-127"/>
-                <a:cs typeface=" Avenir Next Arabic Bold"/>
-                <a:sym typeface=" Avenir Next Arabic Bold"/>
-              </a:rPr>
-              <a:t>맵 내에서 </a:t>
-            </a:r>
-            <a:r>
-              <a:rPr lang="en-US" altLang="ko-KR" sz="2500" spc="79" dirty="0">
-                <a:solidFill>
-                  <a:srgbClr val="000000"/>
-                </a:solidFill>
-                <a:latin typeface="넥슨Lv1고딕 Light" panose="00000300000000000000" pitchFamily="2" charset="-127"/>
-                <a:ea typeface="넥슨Lv1고딕 Light" panose="00000300000000000000" pitchFamily="2" charset="-127"/>
-                <a:cs typeface=" Avenir Next Arabic Bold"/>
-                <a:sym typeface=" Avenir Next Arabic Bold"/>
-              </a:rPr>
-              <a:t>(x, y, z) </a:t>
-            </a:r>
-            <a:r>
-              <a:rPr lang="ko-KR" altLang="en-US" sz="2500" spc="79" dirty="0">
-                <a:solidFill>
-                  <a:srgbClr val="000000"/>
-                </a:solidFill>
-                <a:latin typeface="넥슨Lv1고딕 Light" panose="00000300000000000000" pitchFamily="2" charset="-127"/>
-                <a:ea typeface="넥슨Lv1고딕 Light" panose="00000300000000000000" pitchFamily="2" charset="-127"/>
-                <a:cs typeface=" Avenir Next Arabic Bold"/>
-                <a:sym typeface=" Avenir Next Arabic Bold"/>
-              </a:rPr>
-              <a:t>위치에 해당하는 블록은 </a:t>
-            </a:r>
-            <a:r>
-              <a:rPr lang="en-US" altLang="ko-KR" sz="2500" spc="79" dirty="0">
-                <a:solidFill>
-                  <a:srgbClr val="000000"/>
-                </a:solidFill>
-                <a:latin typeface="넥슨Lv1고딕 Light" panose="00000300000000000000" pitchFamily="2" charset="-127"/>
-                <a:ea typeface="넥슨Lv1고딕 Light" panose="00000300000000000000" pitchFamily="2" charset="-127"/>
-                <a:cs typeface=" Avenir Next Arabic Bold"/>
-                <a:sym typeface=" Avenir Next Arabic Bold"/>
-              </a:rPr>
-              <a:t>(z * size * size + y * size + x)</a:t>
-            </a:r>
-            <a:r>
-              <a:rPr lang="ko-KR" altLang="en-US" sz="2500" spc="79" dirty="0">
-                <a:solidFill>
-                  <a:srgbClr val="000000"/>
-                </a:solidFill>
-                <a:latin typeface="넥슨Lv1고딕 Light" panose="00000300000000000000" pitchFamily="2" charset="-127"/>
-                <a:ea typeface="넥슨Lv1고딕 Light" panose="00000300000000000000" pitchFamily="2" charset="-127"/>
-                <a:cs typeface=" Avenir Next Arabic Bold"/>
-                <a:sym typeface=" Avenir Next Arabic Bold"/>
-              </a:rPr>
-              <a:t>번째</a:t>
-            </a:r>
-            <a:r>
-              <a:rPr lang="en-US" altLang="ko-KR" sz="2500" spc="79" dirty="0">
-                <a:solidFill>
-                  <a:srgbClr val="000000"/>
-                </a:solidFill>
-                <a:latin typeface="넥슨Lv1고딕 Light" panose="00000300000000000000" pitchFamily="2" charset="-127"/>
-                <a:ea typeface="넥슨Lv1고딕 Light" panose="00000300000000000000" pitchFamily="2" charset="-127"/>
-                <a:cs typeface=" Avenir Next Arabic Bold"/>
-                <a:sym typeface=" Avenir Next Arabic Bold"/>
-              </a:rPr>
-              <a:t> </a:t>
-            </a:r>
-            <a:r>
-              <a:rPr lang="ko-KR" altLang="en-US" sz="2500" spc="79" dirty="0">
-                <a:solidFill>
-                  <a:srgbClr val="000000"/>
-                </a:solidFill>
-                <a:latin typeface="넥슨Lv1고딕 Light" panose="00000300000000000000" pitchFamily="2" charset="-127"/>
-                <a:ea typeface="넥슨Lv1고딕 Light" panose="00000300000000000000" pitchFamily="2" charset="-127"/>
-                <a:cs typeface=" Avenir Next Arabic Bold"/>
-                <a:sym typeface=" Avenir Next Arabic Bold"/>
-              </a:rPr>
-              <a:t>인덱스에 저장</a:t>
-            </a:r>
-            <a:r>
-              <a:rPr lang="en-US" altLang="ko-KR" sz="2500" spc="79" dirty="0">
-                <a:solidFill>
-                  <a:srgbClr val="000000"/>
-                </a:solidFill>
-                <a:latin typeface="넥슨Lv1고딕 Light" panose="00000300000000000000" pitchFamily="2" charset="-127"/>
-                <a:ea typeface="넥슨Lv1고딕 Light" panose="00000300000000000000" pitchFamily="2" charset="-127"/>
-                <a:cs typeface=" Avenir Next Arabic Bold"/>
-                <a:sym typeface=" Avenir Next Arabic Bold"/>
-              </a:rPr>
-              <a:t>.</a:t>
-            </a:r>
-          </a:p>
-          <a:p>
-            <a:pPr algn="l">
-              <a:lnSpc>
-                <a:spcPct val="150000"/>
-              </a:lnSpc>
-              <a:spcBef>
-                <a:spcPct val="0"/>
-              </a:spcBef>
-            </a:pPr>
-            <a:r>
-              <a:rPr lang="en-US" altLang="ko-KR" sz="2500" spc="79" dirty="0">
-                <a:solidFill>
-                  <a:srgbClr val="000000"/>
-                </a:solidFill>
-                <a:latin typeface="넥슨Lv1고딕 Light" panose="00000300000000000000" pitchFamily="2" charset="-127"/>
-                <a:ea typeface="넥슨Lv1고딕 Light" panose="00000300000000000000" pitchFamily="2" charset="-127"/>
-                <a:cs typeface=" Avenir Next Arabic Bold"/>
-                <a:sym typeface=" Avenir Next Arabic Bold"/>
-              </a:rPr>
-              <a:t>- </a:t>
-            </a:r>
-            <a:r>
-              <a:rPr lang="ko-KR" altLang="en-US" sz="2500" spc="79" dirty="0">
-                <a:solidFill>
-                  <a:srgbClr val="000000"/>
-                </a:solidFill>
-                <a:latin typeface="넥슨Lv1고딕 Light" panose="00000300000000000000" pitchFamily="2" charset="-127"/>
-                <a:ea typeface="넥슨Lv1고딕 Light" panose="00000300000000000000" pitchFamily="2" charset="-127"/>
-                <a:cs typeface=" Avenir Next Arabic Bold"/>
-                <a:sym typeface=" Avenir Next Arabic Bold"/>
-              </a:rPr>
-              <a:t>여기서 </a:t>
-            </a:r>
-            <a:r>
-              <a:rPr lang="en-US" altLang="ko-KR" sz="2500" spc="79" dirty="0">
-                <a:solidFill>
-                  <a:srgbClr val="000000"/>
-                </a:solidFill>
-                <a:latin typeface="넥슨Lv1고딕 Light" panose="00000300000000000000" pitchFamily="2" charset="-127"/>
-                <a:ea typeface="넥슨Lv1고딕 Light" panose="00000300000000000000" pitchFamily="2" charset="-127"/>
-                <a:cs typeface=" Avenir Next Arabic Bold"/>
-                <a:sym typeface=" Avenir Next Arabic Bold"/>
-              </a:rPr>
-              <a:t>size</a:t>
-            </a:r>
-            <a:r>
-              <a:rPr lang="ko-KR" altLang="en-US" sz="2500" spc="79" dirty="0">
-                <a:solidFill>
-                  <a:srgbClr val="000000"/>
-                </a:solidFill>
-                <a:latin typeface="넥슨Lv1고딕 Light" panose="00000300000000000000" pitchFamily="2" charset="-127"/>
-                <a:ea typeface="넥슨Lv1고딕 Light" panose="00000300000000000000" pitchFamily="2" charset="-127"/>
-                <a:cs typeface=" Avenir Next Arabic Bold"/>
-                <a:sym typeface=" Avenir Next Arabic Bold"/>
-              </a:rPr>
-              <a:t>는 해당 </a:t>
-            </a:r>
-            <a:r>
-              <a:rPr lang="en-US" altLang="ko-KR" sz="2500" spc="79" dirty="0">
-                <a:solidFill>
-                  <a:srgbClr val="000000"/>
-                </a:solidFill>
-                <a:latin typeface="넥슨Lv1고딕 Light" panose="00000300000000000000" pitchFamily="2" charset="-127"/>
-                <a:ea typeface="넥슨Lv1고딕 Light" panose="00000300000000000000" pitchFamily="2" charset="-127"/>
-                <a:cs typeface=" Avenir Next Arabic Bold"/>
-                <a:sym typeface=" Avenir Next Arabic Bold"/>
-              </a:rPr>
-              <a:t>chunk</a:t>
-            </a:r>
-            <a:r>
-              <a:rPr lang="ko-KR" altLang="en-US" sz="2500" spc="79" dirty="0">
-                <a:solidFill>
-                  <a:srgbClr val="000000"/>
-                </a:solidFill>
-                <a:latin typeface="넥슨Lv1고딕 Light" panose="00000300000000000000" pitchFamily="2" charset="-127"/>
-                <a:ea typeface="넥슨Lv1고딕 Light" panose="00000300000000000000" pitchFamily="2" charset="-127"/>
-                <a:cs typeface=" Avenir Next Arabic Bold"/>
-                <a:sym typeface=" Avenir Next Arabic Bold"/>
-              </a:rPr>
-              <a:t>의 가로</a:t>
-            </a:r>
-            <a:r>
-              <a:rPr lang="en-US" altLang="ko-KR" sz="2500" spc="79" dirty="0">
-                <a:solidFill>
-                  <a:srgbClr val="000000"/>
-                </a:solidFill>
-                <a:latin typeface="넥슨Lv1고딕 Light" panose="00000300000000000000" pitchFamily="2" charset="-127"/>
-                <a:ea typeface="넥슨Lv1고딕 Light" panose="00000300000000000000" pitchFamily="2" charset="-127"/>
-                <a:cs typeface=" Avenir Next Arabic Bold"/>
-                <a:sym typeface=" Avenir Next Arabic Bold"/>
-              </a:rPr>
-              <a:t>, </a:t>
-            </a:r>
-            <a:r>
-              <a:rPr lang="ko-KR" altLang="en-US" sz="2500" spc="79" dirty="0">
-                <a:solidFill>
-                  <a:srgbClr val="000000"/>
-                </a:solidFill>
-                <a:latin typeface="넥슨Lv1고딕 Light" panose="00000300000000000000" pitchFamily="2" charset="-127"/>
-                <a:ea typeface="넥슨Lv1고딕 Light" panose="00000300000000000000" pitchFamily="2" charset="-127"/>
-                <a:cs typeface=" Avenir Next Arabic Bold"/>
-                <a:sym typeface=" Avenir Next Arabic Bold"/>
-              </a:rPr>
-              <a:t>세로</a:t>
-            </a:r>
-            <a:r>
-              <a:rPr lang="en-US" altLang="ko-KR" sz="2500" spc="79" dirty="0">
-                <a:solidFill>
-                  <a:srgbClr val="000000"/>
-                </a:solidFill>
-                <a:latin typeface="넥슨Lv1고딕 Light" panose="00000300000000000000" pitchFamily="2" charset="-127"/>
-                <a:ea typeface="넥슨Lv1고딕 Light" panose="00000300000000000000" pitchFamily="2" charset="-127"/>
-                <a:cs typeface=" Avenir Next Arabic Bold"/>
-                <a:sym typeface=" Avenir Next Arabic Bold"/>
-              </a:rPr>
-              <a:t>, </a:t>
-            </a:r>
-            <a:r>
-              <a:rPr lang="ko-KR" altLang="en-US" sz="2500" spc="79" dirty="0">
-                <a:solidFill>
-                  <a:srgbClr val="000000"/>
-                </a:solidFill>
-                <a:latin typeface="넥슨Lv1고딕 Light" panose="00000300000000000000" pitchFamily="2" charset="-127"/>
-                <a:ea typeface="넥슨Lv1고딕 Light" panose="00000300000000000000" pitchFamily="2" charset="-127"/>
-                <a:cs typeface=" Avenir Next Arabic Bold"/>
-                <a:sym typeface=" Avenir Next Arabic Bold"/>
-              </a:rPr>
-              <a:t>높이 블록 개수</a:t>
-            </a:r>
-            <a:r>
-              <a:rPr lang="en-US" altLang="ko-KR" sz="2500" spc="79" dirty="0">
-                <a:solidFill>
-                  <a:srgbClr val="000000"/>
-                </a:solidFill>
-                <a:latin typeface="넥슨Lv1고딕 Light" panose="00000300000000000000" pitchFamily="2" charset="-127"/>
-                <a:ea typeface="넥슨Lv1고딕 Light" panose="00000300000000000000" pitchFamily="2" charset="-127"/>
-                <a:cs typeface=" Avenir Next Arabic Bold"/>
-                <a:sym typeface=" Avenir Next Arabic Bold"/>
-              </a:rPr>
-              <a:t>. (</a:t>
-            </a:r>
-            <a:r>
-              <a:rPr lang="ko-KR" altLang="en-US" sz="2500" spc="79" dirty="0" err="1">
-                <a:solidFill>
-                  <a:srgbClr val="000000"/>
-                </a:solidFill>
-                <a:latin typeface="넥슨Lv1고딕 Light" panose="00000300000000000000" pitchFamily="2" charset="-127"/>
-                <a:ea typeface="넥슨Lv1고딕 Light" panose="00000300000000000000" pitchFamily="2" charset="-127"/>
-                <a:cs typeface=" Avenir Next Arabic Bold"/>
-                <a:sym typeface=" Avenir Next Arabic Bold"/>
-              </a:rPr>
-              <a:t>맵은</a:t>
-            </a:r>
-            <a:r>
-              <a:rPr lang="ko-KR" altLang="en-US" sz="2500" spc="79" dirty="0">
-                <a:solidFill>
-                  <a:srgbClr val="000000"/>
-                </a:solidFill>
-                <a:latin typeface="넥슨Lv1고딕 Light" panose="00000300000000000000" pitchFamily="2" charset="-127"/>
-                <a:ea typeface="넥슨Lv1고딕 Light" panose="00000300000000000000" pitchFamily="2" charset="-127"/>
-                <a:cs typeface=" Avenir Next Arabic Bold"/>
-                <a:sym typeface=" Avenir Next Arabic Bold"/>
-              </a:rPr>
-              <a:t> 여러 개의 </a:t>
-            </a:r>
-            <a:r>
-              <a:rPr lang="en-US" altLang="ko-KR" sz="2500" spc="79" dirty="0">
-                <a:solidFill>
-                  <a:srgbClr val="000000"/>
-                </a:solidFill>
-                <a:latin typeface="넥슨Lv1고딕 Light" panose="00000300000000000000" pitchFamily="2" charset="-127"/>
-                <a:ea typeface="넥슨Lv1고딕 Light" panose="00000300000000000000" pitchFamily="2" charset="-127"/>
-                <a:cs typeface=" Avenir Next Arabic Bold"/>
-                <a:sym typeface=" Avenir Next Arabic Bold"/>
-              </a:rPr>
-              <a:t>chunk</a:t>
-            </a:r>
-            <a:r>
-              <a:rPr lang="ko-KR" altLang="en-US" sz="2500" spc="79" dirty="0">
-                <a:solidFill>
-                  <a:srgbClr val="000000"/>
-                </a:solidFill>
-                <a:latin typeface="넥슨Lv1고딕 Light" panose="00000300000000000000" pitchFamily="2" charset="-127"/>
-                <a:ea typeface="넥슨Lv1고딕 Light" panose="00000300000000000000" pitchFamily="2" charset="-127"/>
-                <a:cs typeface=" Avenir Next Arabic Bold"/>
-                <a:sym typeface=" Avenir Next Arabic Bold"/>
-              </a:rPr>
-              <a:t>로 이루어짐</a:t>
-            </a:r>
-            <a:r>
-              <a:rPr lang="en-US" altLang="ko-KR" sz="2500" spc="79" dirty="0">
-                <a:solidFill>
-                  <a:srgbClr val="000000"/>
-                </a:solidFill>
-                <a:latin typeface="넥슨Lv1고딕 Light" panose="00000300000000000000" pitchFamily="2" charset="-127"/>
-                <a:ea typeface="넥슨Lv1고딕 Light" panose="00000300000000000000" pitchFamily="2" charset="-127"/>
-                <a:cs typeface=" Avenir Next Arabic Bold"/>
-                <a:sym typeface=" Avenir Next Arabic Bold"/>
-              </a:rPr>
-              <a:t>.)</a:t>
-            </a:r>
-          </a:p>
-          <a:p>
-            <a:pPr algn="l">
-              <a:lnSpc>
-                <a:spcPct val="150000"/>
-              </a:lnSpc>
-              <a:spcBef>
-                <a:spcPct val="0"/>
-              </a:spcBef>
-            </a:pPr>
-            <a:r>
-              <a:rPr lang="en-US" altLang="ko-KR" sz="2500" spc="79" dirty="0">
-                <a:solidFill>
-                  <a:srgbClr val="000000"/>
-                </a:solidFill>
-                <a:latin typeface="넥슨Lv1고딕 Light" panose="00000300000000000000" pitchFamily="2" charset="-127"/>
-                <a:ea typeface="넥슨Lv1고딕 Light" panose="00000300000000000000" pitchFamily="2" charset="-127"/>
-                <a:cs typeface=" Avenir Next Arabic Bold"/>
-                <a:sym typeface=" Avenir Next Arabic Bold"/>
-              </a:rPr>
-              <a:t>2. </a:t>
-            </a:r>
-            <a:r>
-              <a:rPr lang="ko-KR" altLang="en-US" sz="2500" spc="79" dirty="0" err="1">
-                <a:solidFill>
-                  <a:srgbClr val="000000"/>
-                </a:solidFill>
-                <a:latin typeface="넥슨Lv1고딕 Light" panose="00000300000000000000" pitchFamily="2" charset="-127"/>
-                <a:ea typeface="넥슨Lv1고딕 Light" panose="00000300000000000000" pitchFamily="2" charset="-127"/>
-                <a:cs typeface=" Avenir Next Arabic Bold"/>
-                <a:sym typeface=" Avenir Next Arabic Bold"/>
-              </a:rPr>
-              <a:t>맵을</a:t>
-            </a:r>
-            <a:r>
-              <a:rPr lang="ko-KR" altLang="en-US" sz="2500" spc="79" dirty="0">
-                <a:solidFill>
-                  <a:srgbClr val="000000"/>
-                </a:solidFill>
-                <a:latin typeface="넥슨Lv1고딕 Light" panose="00000300000000000000" pitchFamily="2" charset="-127"/>
-                <a:ea typeface="넥슨Lv1고딕 Light" panose="00000300000000000000" pitchFamily="2" charset="-127"/>
-                <a:cs typeface=" Avenir Next Arabic Bold"/>
-                <a:sym typeface=" Avenir Next Arabic Bold"/>
-              </a:rPr>
-              <a:t> 생성할 때 블록의 모든 면을 생성하지 않고</a:t>
-            </a:r>
-            <a:r>
-              <a:rPr lang="en-US" altLang="ko-KR" sz="2500" spc="79" dirty="0">
-                <a:solidFill>
-                  <a:srgbClr val="000000"/>
-                </a:solidFill>
-                <a:latin typeface="넥슨Lv1고딕 Light" panose="00000300000000000000" pitchFamily="2" charset="-127"/>
-                <a:ea typeface="넥슨Lv1고딕 Light" panose="00000300000000000000" pitchFamily="2" charset="-127"/>
-                <a:cs typeface=" Avenir Next Arabic Bold"/>
-                <a:sym typeface=" Avenir Next Arabic Bold"/>
-              </a:rPr>
-              <a:t>, </a:t>
-            </a:r>
-            <a:r>
-              <a:rPr lang="ko-KR" altLang="en-US" sz="2500" spc="79" dirty="0">
-                <a:solidFill>
-                  <a:srgbClr val="000000"/>
-                </a:solidFill>
-                <a:latin typeface="넥슨Lv1고딕 Light" panose="00000300000000000000" pitchFamily="2" charset="-127"/>
-                <a:ea typeface="넥슨Lv1고딕 Light" panose="00000300000000000000" pitchFamily="2" charset="-127"/>
-                <a:cs typeface=" Avenir Next Arabic Bold"/>
-                <a:sym typeface=" Avenir Next Arabic Bold"/>
-              </a:rPr>
-              <a:t>보이는 면만 생성</a:t>
-            </a:r>
-            <a:r>
-              <a:rPr lang="en-US" altLang="ko-KR" sz="2500" spc="79" dirty="0">
-                <a:solidFill>
-                  <a:srgbClr val="000000"/>
-                </a:solidFill>
-                <a:latin typeface="넥슨Lv1고딕 Light" panose="00000300000000000000" pitchFamily="2" charset="-127"/>
-                <a:ea typeface="넥슨Lv1고딕 Light" panose="00000300000000000000" pitchFamily="2" charset="-127"/>
-                <a:cs typeface=" Avenir Next Arabic Bold"/>
-                <a:sym typeface=" Avenir Next Arabic Bold"/>
-              </a:rPr>
-              <a:t>.</a:t>
-            </a:r>
-          </a:p>
-        </p:txBody>
-      </p:sp>
-      <p:sp>
-        <p:nvSpPr>
-          <p:cNvPr id="3" name="TextBox 4">
-            <a:extLst>
-              <a:ext uri="{FF2B5EF4-FFF2-40B4-BE49-F238E27FC236}">
-                <a16:creationId xmlns:a16="http://schemas.microsoft.com/office/drawing/2014/main" id="{BFF4C1BF-8CC3-4849-DCF3-9ECC7A3B99D3}"/>
-              </a:ext>
-            </a:extLst>
-          </p:cNvPr>
-          <p:cNvSpPr txBox="1"/>
-          <p:nvPr/>
-        </p:nvSpPr>
-        <p:spPr>
-          <a:xfrm>
-            <a:off x="1567345" y="2952334"/>
-            <a:ext cx="5595455" cy="510524"/>
-          </a:xfrm>
-          <a:prstGeom prst="rect">
-            <a:avLst/>
-          </a:prstGeom>
-        </p:spPr>
-        <p:txBody>
-          <a:bodyPr wrap="square" lIns="0" tIns="0" rIns="0" bIns="0" rtlCol="0" anchor="t">
-            <a:spAutoFit/>
-          </a:bodyPr>
-          <a:lstStyle/>
-          <a:p>
-            <a:pPr algn="l">
-              <a:lnSpc>
-                <a:spcPts val="4200"/>
-              </a:lnSpc>
-              <a:spcBef>
-                <a:spcPct val="0"/>
-              </a:spcBef>
-            </a:pPr>
-            <a:r>
-              <a:rPr lang="ko-KR" altLang="en-US" sz="3000" spc="89" dirty="0">
-                <a:solidFill>
-                  <a:srgbClr val="000000"/>
-                </a:solidFill>
-                <a:latin typeface="넥슨Lv1고딕 Bold" panose="00000800000000000000" pitchFamily="2" charset="-127"/>
-                <a:ea typeface="넥슨Lv1고딕 Bold" panose="00000800000000000000" pitchFamily="2" charset="-127"/>
-                <a:cs typeface="Nanum Square Bold"/>
-                <a:sym typeface="Nanum Square Bold"/>
-              </a:rPr>
-              <a:t>해결 방안</a:t>
-            </a:r>
-            <a:endParaRPr lang="en-US" sz="3000" spc="89" dirty="0">
-              <a:solidFill>
-                <a:srgbClr val="000000"/>
-              </a:solidFill>
-              <a:latin typeface="넥슨Lv1고딕 Bold" panose="00000800000000000000" pitchFamily="2" charset="-127"/>
-              <a:ea typeface="넥슨Lv1고딕 Bold" panose="00000800000000000000" pitchFamily="2" charset="-127"/>
-              <a:cs typeface="Nanum Square Bold"/>
-              <a:sym typeface="Nanum Square Bold"/>
-            </a:endParaRPr>
-          </a:p>
-        </p:txBody>
-      </p:sp>
-      <p:pic>
-        <p:nvPicPr>
-          <p:cNvPr id="6" name="그림 5">
-            <a:extLst>
-              <a:ext uri="{FF2B5EF4-FFF2-40B4-BE49-F238E27FC236}">
-                <a16:creationId xmlns:a16="http://schemas.microsoft.com/office/drawing/2014/main" id="{BE4761C6-7CF4-A856-31E6-EA8486EDCEBE}"/>
-              </a:ext>
-            </a:extLst>
-          </p:cNvPr>
-          <p:cNvPicPr>
-            <a:picLocks noChangeAspect="1"/>
-          </p:cNvPicPr>
-          <p:nvPr/>
-        </p:nvPicPr>
-        <p:blipFill>
-          <a:blip r:embed="rId2"/>
-          <a:stretch>
-            <a:fillRect/>
-          </a:stretch>
-        </p:blipFill>
-        <p:spPr>
-          <a:xfrm>
-            <a:off x="2282687" y="6743700"/>
-            <a:ext cx="13722626" cy="2082766"/>
-          </a:xfrm>
-          <a:prstGeom prst="rect">
-            <a:avLst/>
-          </a:prstGeom>
-        </p:spPr>
-      </p:pic>
-      <p:sp>
-        <p:nvSpPr>
-          <p:cNvPr id="7" name="TextBox 4">
-            <a:extLst>
-              <a:ext uri="{FF2B5EF4-FFF2-40B4-BE49-F238E27FC236}">
-                <a16:creationId xmlns:a16="http://schemas.microsoft.com/office/drawing/2014/main" id="{63021AD7-8942-5C12-48C5-6267FB7C478D}"/>
-              </a:ext>
-            </a:extLst>
-          </p:cNvPr>
-          <p:cNvSpPr txBox="1"/>
-          <p:nvPr/>
-        </p:nvSpPr>
-        <p:spPr>
-          <a:xfrm>
-            <a:off x="3238500" y="8970249"/>
-            <a:ext cx="11811000" cy="615553"/>
-          </a:xfrm>
-          <a:prstGeom prst="rect">
-            <a:avLst/>
-          </a:prstGeom>
-        </p:spPr>
-        <p:txBody>
-          <a:bodyPr wrap="square" lIns="0" tIns="0" rIns="0" bIns="0" rtlCol="0" anchor="t">
-            <a:spAutoFit/>
-          </a:bodyPr>
-          <a:lstStyle/>
-          <a:p>
-            <a:pPr algn="ctr">
-              <a:spcBef>
-                <a:spcPct val="0"/>
-              </a:spcBef>
-            </a:pPr>
-            <a:r>
-              <a:rPr lang="ko-KR" altLang="en-US" sz="2000" spc="89" dirty="0">
-                <a:solidFill>
-                  <a:srgbClr val="000000"/>
-                </a:solidFill>
-                <a:latin typeface="넥슨Lv1고딕 Light" panose="00000300000000000000" pitchFamily="2" charset="-127"/>
-                <a:ea typeface="넥슨Lv1고딕 Light" panose="00000300000000000000" pitchFamily="2" charset="-127"/>
-                <a:cs typeface="Nanum Square Bold"/>
-                <a:sym typeface="Nanum Square Bold"/>
-              </a:rPr>
-              <a:t>블록의 면을 생성할 때</a:t>
-            </a:r>
-            <a:r>
-              <a:rPr lang="en-US" altLang="ko-KR" sz="2000" spc="89" dirty="0">
-                <a:solidFill>
-                  <a:srgbClr val="000000"/>
-                </a:solidFill>
-                <a:latin typeface="넥슨Lv1고딕 Light" panose="00000300000000000000" pitchFamily="2" charset="-127"/>
-                <a:ea typeface="넥슨Lv1고딕 Light" panose="00000300000000000000" pitchFamily="2" charset="-127"/>
-                <a:cs typeface="Nanum Square Bold"/>
-                <a:sym typeface="Nanum Square Bold"/>
-              </a:rPr>
-              <a:t>, 6</a:t>
-            </a:r>
-            <a:r>
-              <a:rPr lang="ko-KR" altLang="en-US" sz="2000" spc="89" dirty="0">
-                <a:solidFill>
-                  <a:srgbClr val="000000"/>
-                </a:solidFill>
-                <a:latin typeface="넥슨Lv1고딕 Light" panose="00000300000000000000" pitchFamily="2" charset="-127"/>
-                <a:ea typeface="넥슨Lv1고딕 Light" panose="00000300000000000000" pitchFamily="2" charset="-127"/>
-                <a:cs typeface="Nanum Square Bold"/>
-                <a:sym typeface="Nanum Square Bold"/>
-              </a:rPr>
-              <a:t>개의 면을 생성할지 판단하는 함수</a:t>
-            </a:r>
-            <a:r>
-              <a:rPr lang="en-US" altLang="ko-KR" sz="2000" spc="89" dirty="0">
-                <a:solidFill>
-                  <a:srgbClr val="000000"/>
-                </a:solidFill>
-                <a:latin typeface="넥슨Lv1고딕 Light" panose="00000300000000000000" pitchFamily="2" charset="-127"/>
-                <a:ea typeface="넥슨Lv1고딕 Light" panose="00000300000000000000" pitchFamily="2" charset="-127"/>
-                <a:cs typeface="Nanum Square Bold"/>
-                <a:sym typeface="Nanum Square Bold"/>
-              </a:rPr>
-              <a:t>:</a:t>
-            </a:r>
-          </a:p>
-          <a:p>
-            <a:pPr algn="ctr">
-              <a:spcBef>
-                <a:spcPct val="0"/>
-              </a:spcBef>
-            </a:pPr>
-            <a:r>
-              <a:rPr lang="ko-KR" altLang="en-US" sz="2000" spc="89" dirty="0">
-                <a:solidFill>
-                  <a:srgbClr val="000000"/>
-                </a:solidFill>
-                <a:latin typeface="넥슨Lv1고딕 Light" panose="00000300000000000000" pitchFamily="2" charset="-127"/>
-                <a:ea typeface="넥슨Lv1고딕 Light" panose="00000300000000000000" pitchFamily="2" charset="-127"/>
-                <a:cs typeface="Nanum Square Bold"/>
-                <a:sym typeface="Nanum Square Bold"/>
-              </a:rPr>
-              <a:t>인접한 블록 위치가 정해진 크기를 넘어가거나</a:t>
-            </a:r>
-            <a:r>
-              <a:rPr lang="en-US" altLang="ko-KR" sz="2000" spc="89" dirty="0">
-                <a:solidFill>
-                  <a:srgbClr val="000000"/>
-                </a:solidFill>
-                <a:latin typeface="넥슨Lv1고딕 Light" panose="00000300000000000000" pitchFamily="2" charset="-127"/>
-                <a:ea typeface="넥슨Lv1고딕 Light" panose="00000300000000000000" pitchFamily="2" charset="-127"/>
-                <a:cs typeface="Nanum Square Bold"/>
-                <a:sym typeface="Nanum Square Bold"/>
-              </a:rPr>
-              <a:t>, </a:t>
-            </a:r>
-            <a:r>
-              <a:rPr lang="ko-KR" altLang="en-US" sz="2000" spc="89" dirty="0">
-                <a:solidFill>
-                  <a:srgbClr val="000000"/>
-                </a:solidFill>
-                <a:latin typeface="넥슨Lv1고딕 Light" panose="00000300000000000000" pitchFamily="2" charset="-127"/>
-                <a:ea typeface="넥슨Lv1고딕 Light" panose="00000300000000000000" pitchFamily="2" charset="-127"/>
-                <a:cs typeface="Nanum Square Bold"/>
-                <a:sym typeface="Nanum Square Bold"/>
-              </a:rPr>
-              <a:t>인접한 블록이 투명 블록일 때 </a:t>
-            </a:r>
-            <a:r>
-              <a:rPr lang="en-US" altLang="ko-KR" sz="2000" spc="89" dirty="0">
-                <a:solidFill>
-                  <a:srgbClr val="000000"/>
-                </a:solidFill>
-                <a:latin typeface="넥슨Lv1고딕 Light" panose="00000300000000000000" pitchFamily="2" charset="-127"/>
-                <a:ea typeface="넥슨Lv1고딕 Light" panose="00000300000000000000" pitchFamily="2" charset="-127"/>
-                <a:cs typeface="Nanum Square Bold"/>
-                <a:sym typeface="Nanum Square Bold"/>
-              </a:rPr>
-              <a:t>true</a:t>
-            </a:r>
-            <a:r>
-              <a:rPr lang="ko-KR" altLang="en-US" sz="2000" spc="89" dirty="0">
-                <a:solidFill>
-                  <a:srgbClr val="000000"/>
-                </a:solidFill>
-                <a:latin typeface="넥슨Lv1고딕 Light" panose="00000300000000000000" pitchFamily="2" charset="-127"/>
-                <a:ea typeface="넥슨Lv1고딕 Light" panose="00000300000000000000" pitchFamily="2" charset="-127"/>
-                <a:cs typeface="Nanum Square Bold"/>
-                <a:sym typeface="Nanum Square Bold"/>
-              </a:rPr>
-              <a:t>를 반환</a:t>
-            </a:r>
-            <a:endParaRPr lang="en-US" sz="2000" spc="89" dirty="0">
-              <a:solidFill>
-                <a:srgbClr val="000000"/>
-              </a:solidFill>
-              <a:latin typeface="넥슨Lv1고딕 Light" panose="00000300000000000000" pitchFamily="2" charset="-127"/>
-              <a:ea typeface="넥슨Lv1고딕 Light" panose="00000300000000000000" pitchFamily="2" charset="-127"/>
-              <a:cs typeface="Nanum Square Bold"/>
-              <a:sym typeface="Nanum Square Bold"/>
-            </a:endParaRPr>
+            <a:endParaRPr lang="ko-KR" altLang="en-US"/>
           </a:p>
         </p:txBody>
       </p:sp>
     </p:spTree>
     <p:extLst>
       <p:ext uri="{BB962C8B-B14F-4D97-AF65-F5344CB8AC3E}">
-        <p14:creationId xmlns:p14="http://schemas.microsoft.com/office/powerpoint/2010/main" val="2941995918"/>
+        <p14:creationId xmlns:p14="http://schemas.microsoft.com/office/powerpoint/2010/main" val="2351796766"/>
       </p:ext>
     </p:extLst>
   </p:cSld>
@@ -5882,8 +5073,8 @@
         </p:nvSpPr>
         <p:spPr>
           <a:xfrm>
-            <a:off x="1524000" y="1221743"/>
-            <a:ext cx="8686800" cy="519373"/>
+            <a:off x="1567345" y="701198"/>
+            <a:ext cx="5595455" cy="510524"/>
           </a:xfrm>
           <a:prstGeom prst="rect">
             <a:avLst/>
@@ -5904,17 +5095,26 @@
               </a:spcBef>
             </a:pPr>
             <a:r>
-              <a:rPr lang="en-US" sz="3000" spc="89" dirty="0">
-                <a:solidFill>
-                  <a:srgbClr val="000000"/>
-                </a:solidFill>
-                <a:latin typeface="아리따-부리(TTF)-Bold" panose="02020603020101020101" pitchFamily="18" charset="-127"/>
-                <a:ea typeface="아리따-부리(TTF)-Bold" panose="02020603020101020101" pitchFamily="18" charset="-127"/>
+              <a:rPr lang="ko-KR" altLang="en-US" sz="3000" spc="89" dirty="0">
+                <a:solidFill>
+                  <a:srgbClr val="000000"/>
+                </a:solidFill>
+                <a:latin typeface="넥슨Lv1고딕 Bold" panose="00000800000000000000" pitchFamily="2" charset="-127"/>
+                <a:ea typeface="넥슨Lv1고딕 Bold" panose="00000800000000000000" pitchFamily="2" charset="-127"/>
                 <a:cs typeface="Nanum Square Bold"/>
                 <a:sym typeface="Nanum Square Bold"/>
               </a:rPr>
-              <a:t>Fire boy &amp; Water girl – Mario Edition</a:t>
-            </a:r>
+              <a:t>제작 시 어려웠던 부분</a:t>
+            </a:r>
+            <a:endParaRPr lang="en-US" sz="3000" spc="89" dirty="0">
+              <a:solidFill>
+                <a:srgbClr val="000000"/>
+              </a:solidFill>
+              <a:latin typeface="넥슨Lv1고딕 Bold" panose="00000800000000000000" pitchFamily="2" charset="-127"/>
+              <a:ea typeface="넥슨Lv1고딕 Bold" panose="00000800000000000000" pitchFamily="2" charset="-127"/>
+              <a:cs typeface="Nanum Square Bold"/>
+              <a:sym typeface="Nanum Square Bold"/>
+            </a:endParaRPr>
           </a:p>
         </p:txBody>
       </p:sp>
@@ -5932,8 +5132,185 @@
         </p:nvSpPr>
         <p:spPr>
           <a:xfrm>
-            <a:off x="1524000" y="1943100"/>
-            <a:ext cx="13596455" cy="7107267"/>
+            <a:off x="1567345" y="1422556"/>
+            <a:ext cx="15120455" cy="1093504"/>
+          </a:xfrm>
+          <a:prstGeom prst="rect">
+            <a:avLst/>
+          </a:prstGeom>
+        </p:spPr>
+        <p:txBody>
+          <a:bodyPr wrap="square" lIns="0" tIns="0" rIns="0" bIns="0" rtlCol="0" anchor="t">
+            <a:spAutoFit/>
+          </a:bodyPr>
+          <a:lstStyle/>
+          <a:p>
+            <a:pPr>
+              <a:lnSpc>
+                <a:spcPct val="150000"/>
+              </a:lnSpc>
+              <a:spcBef>
+                <a:spcPct val="0"/>
+              </a:spcBef>
+            </a:pPr>
+            <a:r>
+              <a:rPr lang="en-US" altLang="ko-KR" sz="2500" spc="79" dirty="0">
+                <a:solidFill>
+                  <a:srgbClr val="000000"/>
+                </a:solidFill>
+                <a:latin typeface="넥슨Lv1고딕 Light" panose="00000300000000000000" pitchFamily="2" charset="-127"/>
+                <a:ea typeface="넥슨Lv1고딕 Light" panose="00000300000000000000" pitchFamily="2" charset="-127"/>
+                <a:cs typeface=" Avenir Next Arabic Bold"/>
+                <a:sym typeface=" Avenir Next Arabic Bold"/>
+              </a:rPr>
+              <a:t>- </a:t>
+            </a:r>
+            <a:r>
+              <a:rPr lang="ko-KR" altLang="en-US" sz="2500" spc="79" dirty="0">
+                <a:solidFill>
+                  <a:srgbClr val="000000"/>
+                </a:solidFill>
+                <a:latin typeface="넥슨Lv1고딕 Light" panose="00000300000000000000" pitchFamily="2" charset="-127"/>
+                <a:ea typeface="넥슨Lv1고딕 Light" panose="00000300000000000000" pitchFamily="2" charset="-127"/>
+                <a:cs typeface=" Avenir Next Arabic Bold"/>
+                <a:sym typeface=" Avenir Next Arabic Bold"/>
+              </a:rPr>
+              <a:t>블록 </a:t>
+            </a:r>
+            <a:r>
+              <a:rPr lang="ko-KR" altLang="en-US" sz="2500" spc="79" dirty="0" err="1">
+                <a:solidFill>
+                  <a:srgbClr val="000000"/>
+                </a:solidFill>
+                <a:latin typeface="넥슨Lv1고딕 Light" panose="00000300000000000000" pitchFamily="2" charset="-127"/>
+                <a:ea typeface="넥슨Lv1고딕 Light" panose="00000300000000000000" pitchFamily="2" charset="-127"/>
+                <a:cs typeface=" Avenir Next Arabic Bold"/>
+                <a:sym typeface=" Avenir Next Arabic Bold"/>
+              </a:rPr>
+              <a:t>맵을</a:t>
+            </a:r>
+            <a:r>
+              <a:rPr lang="ko-KR" altLang="en-US" sz="2500" spc="79" dirty="0">
+                <a:solidFill>
+                  <a:srgbClr val="000000"/>
+                </a:solidFill>
+                <a:latin typeface="넥슨Lv1고딕 Light" panose="00000300000000000000" pitchFamily="2" charset="-127"/>
+                <a:ea typeface="넥슨Lv1고딕 Light" panose="00000300000000000000" pitchFamily="2" charset="-127"/>
+                <a:cs typeface=" Avenir Next Arabic Bold"/>
+                <a:sym typeface=" Avenir Next Arabic Bold"/>
+              </a:rPr>
+              <a:t> 생성할 때</a:t>
+            </a:r>
+            <a:r>
+              <a:rPr lang="en-US" altLang="ko-KR" sz="2500" spc="79" dirty="0">
+                <a:solidFill>
+                  <a:srgbClr val="000000"/>
+                </a:solidFill>
+                <a:latin typeface="넥슨Lv1고딕 Light" panose="00000300000000000000" pitchFamily="2" charset="-127"/>
+                <a:ea typeface="넥슨Lv1고딕 Light" panose="00000300000000000000" pitchFamily="2" charset="-127"/>
+                <a:cs typeface=" Avenir Next Arabic Bold"/>
+                <a:sym typeface=" Avenir Next Arabic Bold"/>
+              </a:rPr>
+              <a:t>, </a:t>
+            </a:r>
+            <a:r>
+              <a:rPr lang="ko-KR" altLang="en-US" sz="2500" spc="79" dirty="0">
+                <a:solidFill>
+                  <a:srgbClr val="000000"/>
+                </a:solidFill>
+                <a:latin typeface="넥슨Lv1고딕 Light" panose="00000300000000000000" pitchFamily="2" charset="-127"/>
+                <a:ea typeface="넥슨Lv1고딕 Light" panose="00000300000000000000" pitchFamily="2" charset="-127"/>
+                <a:cs typeface=" Avenir Next Arabic Bold"/>
+                <a:sym typeface=" Avenir Next Arabic Bold"/>
+              </a:rPr>
+              <a:t>블록 하나 당 큐브 </a:t>
+            </a:r>
+            <a:r>
+              <a:rPr lang="ko-KR" altLang="en-US" sz="2500" spc="79" dirty="0" err="1">
+                <a:solidFill>
+                  <a:srgbClr val="000000"/>
+                </a:solidFill>
+                <a:latin typeface="넥슨Lv1고딕 Light" panose="00000300000000000000" pitchFamily="2" charset="-127"/>
+                <a:ea typeface="넥슨Lv1고딕 Light" panose="00000300000000000000" pitchFamily="2" charset="-127"/>
+                <a:cs typeface=" Avenir Next Arabic Bold"/>
+                <a:sym typeface=" Avenir Next Arabic Bold"/>
+              </a:rPr>
+              <a:t>액터</a:t>
+            </a:r>
+            <a:r>
+              <a:rPr lang="ko-KR" altLang="en-US" sz="2500" spc="79" dirty="0">
+                <a:solidFill>
+                  <a:srgbClr val="000000"/>
+                </a:solidFill>
+                <a:latin typeface="넥슨Lv1고딕 Light" panose="00000300000000000000" pitchFamily="2" charset="-127"/>
+                <a:ea typeface="넥슨Lv1고딕 Light" panose="00000300000000000000" pitchFamily="2" charset="-127"/>
+                <a:cs typeface=" Avenir Next Arabic Bold"/>
+                <a:sym typeface=" Avenir Next Arabic Bold"/>
+              </a:rPr>
+              <a:t> 하나를 넣으면 효율이 매우 떨어져</a:t>
+            </a:r>
+            <a:endParaRPr lang="en-US" altLang="ko-KR" sz="2500" spc="79" dirty="0">
+              <a:solidFill>
+                <a:srgbClr val="000000"/>
+              </a:solidFill>
+              <a:latin typeface="넥슨Lv1고딕 Light" panose="00000300000000000000" pitchFamily="2" charset="-127"/>
+              <a:ea typeface="넥슨Lv1고딕 Light" panose="00000300000000000000" pitchFamily="2" charset="-127"/>
+              <a:cs typeface=" Avenir Next Arabic Bold"/>
+              <a:sym typeface=" Avenir Next Arabic Bold"/>
+            </a:endParaRPr>
+          </a:p>
+          <a:p>
+            <a:pPr>
+              <a:lnSpc>
+                <a:spcPct val="150000"/>
+              </a:lnSpc>
+              <a:spcBef>
+                <a:spcPct val="0"/>
+              </a:spcBef>
+            </a:pPr>
+            <a:r>
+              <a:rPr lang="ko-KR" altLang="en-US" sz="2500" spc="79" dirty="0">
+                <a:solidFill>
+                  <a:srgbClr val="000000"/>
+                </a:solidFill>
+                <a:latin typeface="넥슨Lv1고딕 Light" panose="00000300000000000000" pitchFamily="2" charset="-127"/>
+                <a:ea typeface="넥슨Lv1고딕 Light" panose="00000300000000000000" pitchFamily="2" charset="-127"/>
+                <a:cs typeface=" Avenir Next Arabic Bold"/>
+                <a:sym typeface=" Avenir Next Arabic Bold"/>
+              </a:rPr>
+              <a:t>   그 방법을 고안하는 데 어려움을 겪음</a:t>
+            </a:r>
+            <a:r>
+              <a:rPr lang="en-US" altLang="ko-KR" sz="2500" spc="79" dirty="0">
+                <a:solidFill>
+                  <a:srgbClr val="000000"/>
+                </a:solidFill>
+                <a:latin typeface="넥슨Lv1고딕 Light" panose="00000300000000000000" pitchFamily="2" charset="-127"/>
+                <a:ea typeface="넥슨Lv1고딕 Light" panose="00000300000000000000" pitchFamily="2" charset="-127"/>
+                <a:cs typeface=" Avenir Next Arabic Bold"/>
+                <a:sym typeface=" Avenir Next Arabic Bold"/>
+              </a:rPr>
+              <a:t>.</a:t>
+            </a:r>
+          </a:p>
+        </p:txBody>
+      </p:sp>
+      <p:sp>
+        <p:nvSpPr>
+          <p:cNvPr id="2" name="TextBox 5">
+            <a:extLst>
+              <a:ext uri="{FF2B5EF4-FFF2-40B4-BE49-F238E27FC236}">
+                <a16:creationId xmlns:a16="http://schemas.microsoft.com/office/drawing/2014/main" id="{D49FFE56-8D0D-3495-AC9A-A52491C685DF}"/>
+              </a:ext>
+            </a:extLst>
+          </p:cNvPr>
+          <p:cNvSpPr txBox="1"/>
+          <p:nvPr/>
+        </p:nvSpPr>
+        <p:spPr>
+          <a:xfrm>
+            <a:off x="1567345" y="3690905"/>
+            <a:ext cx="15120455" cy="2308324"/>
           </a:xfrm>
           <a:prstGeom prst="rect">
             <a:avLst/>
@@ -5954,6 +5331,1195 @@
               </a:spcBef>
             </a:pPr>
             <a:r>
+              <a:rPr lang="ko-KR" altLang="en-US" sz="2000" spc="79" dirty="0">
+                <a:solidFill>
+                  <a:srgbClr val="000000"/>
+                </a:solidFill>
+                <a:latin typeface="넥슨Lv1고딕 Light" panose="00000300000000000000" pitchFamily="2" charset="-127"/>
+                <a:ea typeface="넥슨Lv1고딕 Light" panose="00000300000000000000" pitchFamily="2" charset="-127"/>
+                <a:cs typeface=" Avenir Next Arabic Bold"/>
+                <a:sym typeface=" Avenir Next Arabic Bold"/>
+              </a:rPr>
+              <a:t>그래서 블록 맵 전체를 하나의 </a:t>
+            </a:r>
+            <a:r>
+              <a:rPr lang="ko-KR" altLang="en-US" sz="2000" spc="79" dirty="0" err="1">
+                <a:solidFill>
+                  <a:srgbClr val="000000"/>
+                </a:solidFill>
+                <a:latin typeface="넥슨Lv1고딕 Light" panose="00000300000000000000" pitchFamily="2" charset="-127"/>
+                <a:ea typeface="넥슨Lv1고딕 Light" panose="00000300000000000000" pitchFamily="2" charset="-127"/>
+                <a:cs typeface=" Avenir Next Arabic Bold"/>
+                <a:sym typeface=" Avenir Next Arabic Bold"/>
+              </a:rPr>
+              <a:t>액터</a:t>
+            </a:r>
+            <a:r>
+              <a:rPr lang="en-US" altLang="ko-KR" sz="2000" spc="79" dirty="0">
+                <a:solidFill>
+                  <a:srgbClr val="000000"/>
+                </a:solidFill>
+                <a:latin typeface="넥슨Lv1고딕 Light" panose="00000300000000000000" pitchFamily="2" charset="-127"/>
+                <a:ea typeface="넥슨Lv1고딕 Light" panose="00000300000000000000" pitchFamily="2" charset="-127"/>
+                <a:cs typeface=" Avenir Next Arabic Bold"/>
+                <a:sym typeface=" Avenir Next Arabic Bold"/>
+              </a:rPr>
+              <a:t>(world)</a:t>
+            </a:r>
+            <a:r>
+              <a:rPr lang="ko-KR" altLang="en-US" sz="2000" spc="79" dirty="0">
+                <a:solidFill>
+                  <a:srgbClr val="000000"/>
+                </a:solidFill>
+                <a:latin typeface="넥슨Lv1고딕 Light" panose="00000300000000000000" pitchFamily="2" charset="-127"/>
+                <a:ea typeface="넥슨Lv1고딕 Light" panose="00000300000000000000" pitchFamily="2" charset="-127"/>
+                <a:cs typeface=" Avenir Next Arabic Bold"/>
+                <a:sym typeface=" Avenir Next Arabic Bold"/>
+              </a:rPr>
+              <a:t>로 관리했다</a:t>
+            </a:r>
+            <a:r>
+              <a:rPr lang="en-US" altLang="ko-KR" sz="2000" spc="79" dirty="0" smtClean="0">
+                <a:solidFill>
+                  <a:srgbClr val="000000"/>
+                </a:solidFill>
+                <a:latin typeface="넥슨Lv1고딕 Light" panose="00000300000000000000" pitchFamily="2" charset="-127"/>
+                <a:ea typeface="넥슨Lv1고딕 Light" panose="00000300000000000000" pitchFamily="2" charset="-127"/>
+                <a:cs typeface=" Avenir Next Arabic Bold"/>
+                <a:sym typeface=" Avenir Next Arabic Bold"/>
+              </a:rPr>
+              <a:t>.</a:t>
+            </a:r>
+          </a:p>
+          <a:p>
+            <a:pPr algn="l">
+              <a:lnSpc>
+                <a:spcPct val="150000"/>
+              </a:lnSpc>
+              <a:spcBef>
+                <a:spcPct val="0"/>
+              </a:spcBef>
+            </a:pPr>
+            <a:r>
+              <a:rPr lang="en-US" altLang="ko-KR" sz="2000" spc="79" dirty="0" smtClean="0">
+                <a:solidFill>
+                  <a:srgbClr val="000000"/>
+                </a:solidFill>
+                <a:latin typeface="넥슨Lv1고딕 Light" panose="00000300000000000000" pitchFamily="2" charset="-127"/>
+                <a:ea typeface="넥슨Lv1고딕 Light" panose="00000300000000000000" pitchFamily="2" charset="-127"/>
+                <a:cs typeface=" Avenir Next Arabic Bold"/>
+                <a:sym typeface=" Avenir Next Arabic Bold"/>
+              </a:rPr>
+              <a:t>1</a:t>
+            </a:r>
+            <a:r>
+              <a:rPr lang="en-US" altLang="ko-KR" sz="2000" spc="79" dirty="0">
+                <a:solidFill>
+                  <a:srgbClr val="000000"/>
+                </a:solidFill>
+                <a:latin typeface="넥슨Lv1고딕 Light" panose="00000300000000000000" pitchFamily="2" charset="-127"/>
+                <a:ea typeface="넥슨Lv1고딕 Light" panose="00000300000000000000" pitchFamily="2" charset="-127"/>
+                <a:cs typeface=" Avenir Next Arabic Bold"/>
+                <a:sym typeface=" Avenir Next Arabic Bold"/>
+              </a:rPr>
+              <a:t>.</a:t>
+            </a:r>
+            <a:r>
+              <a:rPr lang="ko-KR" altLang="en-US" sz="2000" spc="79" dirty="0">
+                <a:solidFill>
+                  <a:srgbClr val="000000"/>
+                </a:solidFill>
+                <a:latin typeface="넥슨Lv1고딕 Light" panose="00000300000000000000" pitchFamily="2" charset="-127"/>
+                <a:ea typeface="넥슨Lv1고딕 Light" panose="00000300000000000000" pitchFamily="2" charset="-127"/>
+                <a:cs typeface=" Avenir Next Arabic Bold"/>
+                <a:sym typeface=" Avenir Next Arabic Bold"/>
+              </a:rPr>
+              <a:t> 블록의 종류를 </a:t>
+            </a:r>
+            <a:r>
+              <a:rPr lang="en-US" altLang="ko-KR" sz="2000" spc="79" dirty="0">
+                <a:solidFill>
+                  <a:srgbClr val="000000"/>
+                </a:solidFill>
+                <a:latin typeface="넥슨Lv1고딕 Light" panose="00000300000000000000" pitchFamily="2" charset="-127"/>
+                <a:ea typeface="넥슨Lv1고딕 Light" panose="00000300000000000000" pitchFamily="2" charset="-127"/>
+                <a:cs typeface=" Avenir Next Arabic Bold"/>
+                <a:sym typeface=" Avenir Next Arabic Bold"/>
+              </a:rPr>
+              <a:t>1</a:t>
+            </a:r>
+            <a:r>
+              <a:rPr lang="ko-KR" altLang="en-US" sz="2000" spc="79" dirty="0">
+                <a:solidFill>
+                  <a:srgbClr val="000000"/>
+                </a:solidFill>
+                <a:latin typeface="넥슨Lv1고딕 Light" panose="00000300000000000000" pitchFamily="2" charset="-127"/>
+                <a:ea typeface="넥슨Lv1고딕 Light" panose="00000300000000000000" pitchFamily="2" charset="-127"/>
+                <a:cs typeface=" Avenir Next Arabic Bold"/>
+                <a:sym typeface=" Avenir Next Arabic Bold"/>
+              </a:rPr>
+              <a:t>차원 배열로 저장</a:t>
+            </a:r>
+            <a:endParaRPr lang="en-US" altLang="ko-KR" sz="2000" spc="79" dirty="0">
+              <a:solidFill>
+                <a:srgbClr val="000000"/>
+              </a:solidFill>
+              <a:latin typeface="넥슨Lv1고딕 Light" panose="00000300000000000000" pitchFamily="2" charset="-127"/>
+              <a:ea typeface="넥슨Lv1고딕 Light" panose="00000300000000000000" pitchFamily="2" charset="-127"/>
+              <a:cs typeface=" Avenir Next Arabic Bold"/>
+              <a:sym typeface=" Avenir Next Arabic Bold"/>
+            </a:endParaRPr>
+          </a:p>
+          <a:p>
+            <a:pPr algn="l">
+              <a:lnSpc>
+                <a:spcPct val="150000"/>
+              </a:lnSpc>
+              <a:spcBef>
+                <a:spcPct val="0"/>
+              </a:spcBef>
+            </a:pPr>
+            <a:r>
+              <a:rPr lang="en-US" altLang="ko-KR" sz="2000" spc="79" dirty="0">
+                <a:solidFill>
+                  <a:srgbClr val="000000"/>
+                </a:solidFill>
+                <a:latin typeface="넥슨Lv1고딕 Light" panose="00000300000000000000" pitchFamily="2" charset="-127"/>
+                <a:ea typeface="넥슨Lv1고딕 Light" panose="00000300000000000000" pitchFamily="2" charset="-127"/>
+                <a:cs typeface=" Avenir Next Arabic Bold"/>
+                <a:sym typeface=" Avenir Next Arabic Bold"/>
+              </a:rPr>
+              <a:t>- </a:t>
+            </a:r>
+            <a:r>
+              <a:rPr lang="ko-KR" altLang="en-US" sz="2000" spc="79" dirty="0">
+                <a:solidFill>
+                  <a:srgbClr val="000000"/>
+                </a:solidFill>
+                <a:latin typeface="넥슨Lv1고딕 Light" panose="00000300000000000000" pitchFamily="2" charset="-127"/>
+                <a:ea typeface="넥슨Lv1고딕 Light" panose="00000300000000000000" pitchFamily="2" charset="-127"/>
+                <a:cs typeface=" Avenir Next Arabic Bold"/>
+                <a:sym typeface=" Avenir Next Arabic Bold"/>
+              </a:rPr>
+              <a:t>맵 내에서 </a:t>
+            </a:r>
+            <a:r>
+              <a:rPr lang="en-US" altLang="ko-KR" sz="2000" spc="79" dirty="0">
+                <a:solidFill>
+                  <a:srgbClr val="000000"/>
+                </a:solidFill>
+                <a:latin typeface="넥슨Lv1고딕 Light" panose="00000300000000000000" pitchFamily="2" charset="-127"/>
+                <a:ea typeface="넥슨Lv1고딕 Light" panose="00000300000000000000" pitchFamily="2" charset="-127"/>
+                <a:cs typeface=" Avenir Next Arabic Bold"/>
+                <a:sym typeface=" Avenir Next Arabic Bold"/>
+              </a:rPr>
+              <a:t>(x, y, z) </a:t>
+            </a:r>
+            <a:r>
+              <a:rPr lang="ko-KR" altLang="en-US" sz="2000" spc="79" dirty="0">
+                <a:solidFill>
+                  <a:srgbClr val="000000"/>
+                </a:solidFill>
+                <a:latin typeface="넥슨Lv1고딕 Light" panose="00000300000000000000" pitchFamily="2" charset="-127"/>
+                <a:ea typeface="넥슨Lv1고딕 Light" panose="00000300000000000000" pitchFamily="2" charset="-127"/>
+                <a:cs typeface=" Avenir Next Arabic Bold"/>
+                <a:sym typeface=" Avenir Next Arabic Bold"/>
+              </a:rPr>
+              <a:t>위치에 해당하는 블록은 </a:t>
+            </a:r>
+            <a:r>
+              <a:rPr lang="en-US" altLang="ko-KR" sz="2000" spc="79" dirty="0">
+                <a:solidFill>
+                  <a:srgbClr val="000000"/>
+                </a:solidFill>
+                <a:latin typeface="넥슨Lv1고딕 Light" panose="00000300000000000000" pitchFamily="2" charset="-127"/>
+                <a:ea typeface="넥슨Lv1고딕 Light" panose="00000300000000000000" pitchFamily="2" charset="-127"/>
+                <a:cs typeface=" Avenir Next Arabic Bold"/>
+                <a:sym typeface=" Avenir Next Arabic Bold"/>
+              </a:rPr>
+              <a:t>(z * </a:t>
+            </a:r>
+            <a:r>
+              <a:rPr lang="en-US" altLang="ko-KR" sz="2000" spc="79" dirty="0" smtClean="0">
+                <a:solidFill>
+                  <a:srgbClr val="000000"/>
+                </a:solidFill>
+                <a:latin typeface="넥슨Lv1고딕 Light" panose="00000300000000000000" pitchFamily="2" charset="-127"/>
+                <a:ea typeface="넥슨Lv1고딕 Light" panose="00000300000000000000" pitchFamily="2" charset="-127"/>
+                <a:cs typeface=" Avenir Next Arabic Bold"/>
+                <a:sym typeface=" Avenir Next Arabic Bold"/>
+              </a:rPr>
+              <a:t>size </a:t>
+            </a:r>
+            <a:r>
+              <a:rPr lang="en-US" altLang="ko-KR" sz="2000" spc="79" dirty="0">
+                <a:solidFill>
+                  <a:srgbClr val="000000"/>
+                </a:solidFill>
+                <a:latin typeface="넥슨Lv1고딕 Light" panose="00000300000000000000" pitchFamily="2" charset="-127"/>
+                <a:ea typeface="넥슨Lv1고딕 Light" panose="00000300000000000000" pitchFamily="2" charset="-127"/>
+                <a:cs typeface=" Avenir Next Arabic Bold"/>
+                <a:sym typeface=" Avenir Next Arabic Bold"/>
+              </a:rPr>
+              <a:t>* size + y * size + x)</a:t>
+            </a:r>
+            <a:r>
+              <a:rPr lang="ko-KR" altLang="en-US" sz="2000" spc="79" dirty="0">
+                <a:solidFill>
+                  <a:srgbClr val="000000"/>
+                </a:solidFill>
+                <a:latin typeface="넥슨Lv1고딕 Light" panose="00000300000000000000" pitchFamily="2" charset="-127"/>
+                <a:ea typeface="넥슨Lv1고딕 Light" panose="00000300000000000000" pitchFamily="2" charset="-127"/>
+                <a:cs typeface=" Avenir Next Arabic Bold"/>
+                <a:sym typeface=" Avenir Next Arabic Bold"/>
+              </a:rPr>
+              <a:t>번째</a:t>
+            </a:r>
+            <a:r>
+              <a:rPr lang="en-US" altLang="ko-KR" sz="2000" spc="79" dirty="0">
+                <a:solidFill>
+                  <a:srgbClr val="000000"/>
+                </a:solidFill>
+                <a:latin typeface="넥슨Lv1고딕 Light" panose="00000300000000000000" pitchFamily="2" charset="-127"/>
+                <a:ea typeface="넥슨Lv1고딕 Light" panose="00000300000000000000" pitchFamily="2" charset="-127"/>
+                <a:cs typeface=" Avenir Next Arabic Bold"/>
+                <a:sym typeface=" Avenir Next Arabic Bold"/>
+              </a:rPr>
+              <a:t> </a:t>
+            </a:r>
+            <a:r>
+              <a:rPr lang="ko-KR" altLang="en-US" sz="2000" spc="79" dirty="0">
+                <a:solidFill>
+                  <a:srgbClr val="000000"/>
+                </a:solidFill>
+                <a:latin typeface="넥슨Lv1고딕 Light" panose="00000300000000000000" pitchFamily="2" charset="-127"/>
+                <a:ea typeface="넥슨Lv1고딕 Light" panose="00000300000000000000" pitchFamily="2" charset="-127"/>
+                <a:cs typeface=" Avenir Next Arabic Bold"/>
+                <a:sym typeface=" Avenir Next Arabic Bold"/>
+              </a:rPr>
+              <a:t>인덱스에 저장</a:t>
+            </a:r>
+            <a:r>
+              <a:rPr lang="en-US" altLang="ko-KR" sz="2000" spc="79" dirty="0">
+                <a:solidFill>
+                  <a:srgbClr val="000000"/>
+                </a:solidFill>
+                <a:latin typeface="넥슨Lv1고딕 Light" panose="00000300000000000000" pitchFamily="2" charset="-127"/>
+                <a:ea typeface="넥슨Lv1고딕 Light" panose="00000300000000000000" pitchFamily="2" charset="-127"/>
+                <a:cs typeface=" Avenir Next Arabic Bold"/>
+                <a:sym typeface=" Avenir Next Arabic Bold"/>
+              </a:rPr>
+              <a:t>.</a:t>
+            </a:r>
+          </a:p>
+          <a:p>
+            <a:pPr marL="342900" indent="-342900" algn="l">
+              <a:lnSpc>
+                <a:spcPct val="150000"/>
+              </a:lnSpc>
+              <a:spcBef>
+                <a:spcPct val="0"/>
+              </a:spcBef>
+              <a:buFontTx/>
+              <a:buChar char="-"/>
+            </a:pPr>
+            <a:r>
+              <a:rPr lang="ko-KR" altLang="en-US" sz="2000" spc="79" dirty="0" smtClean="0">
+                <a:solidFill>
+                  <a:srgbClr val="000000"/>
+                </a:solidFill>
+                <a:latin typeface="넥슨Lv1고딕 Light" panose="00000300000000000000" pitchFamily="2" charset="-127"/>
+                <a:ea typeface="넥슨Lv1고딕 Light" panose="00000300000000000000" pitchFamily="2" charset="-127"/>
+                <a:cs typeface=" Avenir Next Arabic Bold"/>
+                <a:sym typeface=" Avenir Next Arabic Bold"/>
+              </a:rPr>
+              <a:t>여기서 </a:t>
+            </a:r>
+            <a:r>
+              <a:rPr lang="en-US" altLang="ko-KR" sz="2000" spc="79" dirty="0">
+                <a:solidFill>
+                  <a:srgbClr val="000000"/>
+                </a:solidFill>
+                <a:latin typeface="넥슨Lv1고딕 Light" panose="00000300000000000000" pitchFamily="2" charset="-127"/>
+                <a:ea typeface="넥슨Lv1고딕 Light" panose="00000300000000000000" pitchFamily="2" charset="-127"/>
+                <a:cs typeface=" Avenir Next Arabic Bold"/>
+                <a:sym typeface=" Avenir Next Arabic Bold"/>
+              </a:rPr>
+              <a:t>size</a:t>
+            </a:r>
+            <a:r>
+              <a:rPr lang="ko-KR" altLang="en-US" sz="2000" spc="79" dirty="0">
+                <a:solidFill>
+                  <a:srgbClr val="000000"/>
+                </a:solidFill>
+                <a:latin typeface="넥슨Lv1고딕 Light" panose="00000300000000000000" pitchFamily="2" charset="-127"/>
+                <a:ea typeface="넥슨Lv1고딕 Light" panose="00000300000000000000" pitchFamily="2" charset="-127"/>
+                <a:cs typeface=" Avenir Next Arabic Bold"/>
+                <a:sym typeface=" Avenir Next Arabic Bold"/>
+              </a:rPr>
+              <a:t>는 해당 </a:t>
+            </a:r>
+            <a:r>
+              <a:rPr lang="en-US" altLang="ko-KR" sz="2000" spc="79" dirty="0">
+                <a:solidFill>
+                  <a:srgbClr val="000000"/>
+                </a:solidFill>
+                <a:latin typeface="넥슨Lv1고딕 Light" panose="00000300000000000000" pitchFamily="2" charset="-127"/>
+                <a:ea typeface="넥슨Lv1고딕 Light" panose="00000300000000000000" pitchFamily="2" charset="-127"/>
+                <a:cs typeface=" Avenir Next Arabic Bold"/>
+                <a:sym typeface=" Avenir Next Arabic Bold"/>
+              </a:rPr>
+              <a:t>chunk</a:t>
+            </a:r>
+            <a:r>
+              <a:rPr lang="ko-KR" altLang="en-US" sz="2000" spc="79" dirty="0">
+                <a:solidFill>
+                  <a:srgbClr val="000000"/>
+                </a:solidFill>
+                <a:latin typeface="넥슨Lv1고딕 Light" panose="00000300000000000000" pitchFamily="2" charset="-127"/>
+                <a:ea typeface="넥슨Lv1고딕 Light" panose="00000300000000000000" pitchFamily="2" charset="-127"/>
+                <a:cs typeface=" Avenir Next Arabic Bold"/>
+                <a:sym typeface=" Avenir Next Arabic Bold"/>
+              </a:rPr>
+              <a:t>의 가로</a:t>
+            </a:r>
+            <a:r>
+              <a:rPr lang="en-US" altLang="ko-KR" sz="2000" spc="79" dirty="0">
+                <a:solidFill>
+                  <a:srgbClr val="000000"/>
+                </a:solidFill>
+                <a:latin typeface="넥슨Lv1고딕 Light" panose="00000300000000000000" pitchFamily="2" charset="-127"/>
+                <a:ea typeface="넥슨Lv1고딕 Light" panose="00000300000000000000" pitchFamily="2" charset="-127"/>
+                <a:cs typeface=" Avenir Next Arabic Bold"/>
+                <a:sym typeface=" Avenir Next Arabic Bold"/>
+              </a:rPr>
+              <a:t>, </a:t>
+            </a:r>
+            <a:r>
+              <a:rPr lang="ko-KR" altLang="en-US" sz="2000" spc="79" dirty="0">
+                <a:solidFill>
+                  <a:srgbClr val="000000"/>
+                </a:solidFill>
+                <a:latin typeface="넥슨Lv1고딕 Light" panose="00000300000000000000" pitchFamily="2" charset="-127"/>
+                <a:ea typeface="넥슨Lv1고딕 Light" panose="00000300000000000000" pitchFamily="2" charset="-127"/>
+                <a:cs typeface=" Avenir Next Arabic Bold"/>
+                <a:sym typeface=" Avenir Next Arabic Bold"/>
+              </a:rPr>
+              <a:t>세로</a:t>
+            </a:r>
+            <a:r>
+              <a:rPr lang="en-US" altLang="ko-KR" sz="2000" spc="79" dirty="0">
+                <a:solidFill>
+                  <a:srgbClr val="000000"/>
+                </a:solidFill>
+                <a:latin typeface="넥슨Lv1고딕 Light" panose="00000300000000000000" pitchFamily="2" charset="-127"/>
+                <a:ea typeface="넥슨Lv1고딕 Light" panose="00000300000000000000" pitchFamily="2" charset="-127"/>
+                <a:cs typeface=" Avenir Next Arabic Bold"/>
+                <a:sym typeface=" Avenir Next Arabic Bold"/>
+              </a:rPr>
+              <a:t>, </a:t>
+            </a:r>
+            <a:r>
+              <a:rPr lang="ko-KR" altLang="en-US" sz="2000" spc="79" dirty="0">
+                <a:solidFill>
+                  <a:srgbClr val="000000"/>
+                </a:solidFill>
+                <a:latin typeface="넥슨Lv1고딕 Light" panose="00000300000000000000" pitchFamily="2" charset="-127"/>
+                <a:ea typeface="넥슨Lv1고딕 Light" panose="00000300000000000000" pitchFamily="2" charset="-127"/>
+                <a:cs typeface=" Avenir Next Arabic Bold"/>
+                <a:sym typeface=" Avenir Next Arabic Bold"/>
+              </a:rPr>
+              <a:t>높이 블록 개수</a:t>
+            </a:r>
+            <a:r>
+              <a:rPr lang="en-US" altLang="ko-KR" sz="2000" spc="79" dirty="0">
+                <a:solidFill>
+                  <a:srgbClr val="000000"/>
+                </a:solidFill>
+                <a:latin typeface="넥슨Lv1고딕 Light" panose="00000300000000000000" pitchFamily="2" charset="-127"/>
+                <a:ea typeface="넥슨Lv1고딕 Light" panose="00000300000000000000" pitchFamily="2" charset="-127"/>
+                <a:cs typeface=" Avenir Next Arabic Bold"/>
+                <a:sym typeface=" Avenir Next Arabic Bold"/>
+              </a:rPr>
+              <a:t>. (</a:t>
+            </a:r>
+            <a:r>
+              <a:rPr lang="ko-KR" altLang="en-US" sz="2000" spc="79" dirty="0" err="1">
+                <a:solidFill>
+                  <a:srgbClr val="000000"/>
+                </a:solidFill>
+                <a:latin typeface="넥슨Lv1고딕 Light" panose="00000300000000000000" pitchFamily="2" charset="-127"/>
+                <a:ea typeface="넥슨Lv1고딕 Light" panose="00000300000000000000" pitchFamily="2" charset="-127"/>
+                <a:cs typeface=" Avenir Next Arabic Bold"/>
+                <a:sym typeface=" Avenir Next Arabic Bold"/>
+              </a:rPr>
+              <a:t>맵은</a:t>
+            </a:r>
+            <a:r>
+              <a:rPr lang="ko-KR" altLang="en-US" sz="2000" spc="79" dirty="0">
+                <a:solidFill>
+                  <a:srgbClr val="000000"/>
+                </a:solidFill>
+                <a:latin typeface="넥슨Lv1고딕 Light" panose="00000300000000000000" pitchFamily="2" charset="-127"/>
+                <a:ea typeface="넥슨Lv1고딕 Light" panose="00000300000000000000" pitchFamily="2" charset="-127"/>
+                <a:cs typeface=" Avenir Next Arabic Bold"/>
+                <a:sym typeface=" Avenir Next Arabic Bold"/>
+              </a:rPr>
+              <a:t> 여러 개의 </a:t>
+            </a:r>
+            <a:r>
+              <a:rPr lang="ko-KR" altLang="en-US" sz="2000" spc="79" dirty="0" smtClean="0">
+                <a:solidFill>
+                  <a:srgbClr val="000000"/>
+                </a:solidFill>
+                <a:latin typeface="넥슨Lv1고딕 Light" panose="00000300000000000000" pitchFamily="2" charset="-127"/>
+                <a:ea typeface="넥슨Lv1고딕 Light" panose="00000300000000000000" pitchFamily="2" charset="-127"/>
+                <a:cs typeface=" Avenir Next Arabic Bold"/>
+                <a:sym typeface=" Avenir Next Arabic Bold"/>
+              </a:rPr>
+              <a:t>정육면체 </a:t>
+            </a:r>
+            <a:r>
+              <a:rPr lang="en-US" altLang="ko-KR" sz="2000" spc="79" dirty="0" smtClean="0">
+                <a:solidFill>
+                  <a:srgbClr val="000000"/>
+                </a:solidFill>
+                <a:latin typeface="넥슨Lv1고딕 Light" panose="00000300000000000000" pitchFamily="2" charset="-127"/>
+                <a:ea typeface="넥슨Lv1고딕 Light" panose="00000300000000000000" pitchFamily="2" charset="-127"/>
+                <a:cs typeface=" Avenir Next Arabic Bold"/>
+                <a:sym typeface=" Avenir Next Arabic Bold"/>
+              </a:rPr>
+              <a:t>chunk</a:t>
+            </a:r>
+            <a:r>
+              <a:rPr lang="ko-KR" altLang="en-US" sz="2000" spc="79" dirty="0">
+                <a:solidFill>
+                  <a:srgbClr val="000000"/>
+                </a:solidFill>
+                <a:latin typeface="넥슨Lv1고딕 Light" panose="00000300000000000000" pitchFamily="2" charset="-127"/>
+                <a:ea typeface="넥슨Lv1고딕 Light" panose="00000300000000000000" pitchFamily="2" charset="-127"/>
+                <a:cs typeface=" Avenir Next Arabic Bold"/>
+                <a:sym typeface=" Avenir Next Arabic Bold"/>
+              </a:rPr>
+              <a:t>로 이루어짐</a:t>
+            </a:r>
+            <a:r>
+              <a:rPr lang="en-US" altLang="ko-KR" sz="2000" spc="79" dirty="0">
+                <a:solidFill>
+                  <a:srgbClr val="000000"/>
+                </a:solidFill>
+                <a:latin typeface="넥슨Lv1고딕 Light" panose="00000300000000000000" pitchFamily="2" charset="-127"/>
+                <a:ea typeface="넥슨Lv1고딕 Light" panose="00000300000000000000" pitchFamily="2" charset="-127"/>
+                <a:cs typeface=" Avenir Next Arabic Bold"/>
+                <a:sym typeface=" Avenir Next Arabic Bold"/>
+              </a:rPr>
+              <a:t>.)</a:t>
+            </a:r>
+          </a:p>
+          <a:p>
+            <a:pPr algn="l">
+              <a:lnSpc>
+                <a:spcPct val="150000"/>
+              </a:lnSpc>
+              <a:spcBef>
+                <a:spcPct val="0"/>
+              </a:spcBef>
+            </a:pPr>
+            <a:r>
+              <a:rPr lang="en-US" altLang="ko-KR" sz="2000" spc="79" dirty="0">
+                <a:solidFill>
+                  <a:srgbClr val="000000"/>
+                </a:solidFill>
+                <a:latin typeface="넥슨Lv1고딕 Light" panose="00000300000000000000" pitchFamily="2" charset="-127"/>
+                <a:ea typeface="넥슨Lv1고딕 Light" panose="00000300000000000000" pitchFamily="2" charset="-127"/>
+                <a:cs typeface=" Avenir Next Arabic Bold"/>
+                <a:sym typeface=" Avenir Next Arabic Bold"/>
+              </a:rPr>
+              <a:t>2. </a:t>
+            </a:r>
+            <a:r>
+              <a:rPr lang="ko-KR" altLang="en-US" sz="2000" spc="79" dirty="0" err="1">
+                <a:solidFill>
+                  <a:srgbClr val="000000"/>
+                </a:solidFill>
+                <a:latin typeface="넥슨Lv1고딕 Light" panose="00000300000000000000" pitchFamily="2" charset="-127"/>
+                <a:ea typeface="넥슨Lv1고딕 Light" panose="00000300000000000000" pitchFamily="2" charset="-127"/>
+                <a:cs typeface=" Avenir Next Arabic Bold"/>
+                <a:sym typeface=" Avenir Next Arabic Bold"/>
+              </a:rPr>
+              <a:t>맵을</a:t>
+            </a:r>
+            <a:r>
+              <a:rPr lang="ko-KR" altLang="en-US" sz="2000" spc="79" dirty="0">
+                <a:solidFill>
+                  <a:srgbClr val="000000"/>
+                </a:solidFill>
+                <a:latin typeface="넥슨Lv1고딕 Light" panose="00000300000000000000" pitchFamily="2" charset="-127"/>
+                <a:ea typeface="넥슨Lv1고딕 Light" panose="00000300000000000000" pitchFamily="2" charset="-127"/>
+                <a:cs typeface=" Avenir Next Arabic Bold"/>
+                <a:sym typeface=" Avenir Next Arabic Bold"/>
+              </a:rPr>
+              <a:t> 생성할 때 블록의 모든 면을 생성하지 않고</a:t>
+            </a:r>
+            <a:r>
+              <a:rPr lang="en-US" altLang="ko-KR" sz="2000" spc="79" dirty="0">
+                <a:solidFill>
+                  <a:srgbClr val="000000"/>
+                </a:solidFill>
+                <a:latin typeface="넥슨Lv1고딕 Light" panose="00000300000000000000" pitchFamily="2" charset="-127"/>
+                <a:ea typeface="넥슨Lv1고딕 Light" panose="00000300000000000000" pitchFamily="2" charset="-127"/>
+                <a:cs typeface=" Avenir Next Arabic Bold"/>
+                <a:sym typeface=" Avenir Next Arabic Bold"/>
+              </a:rPr>
+              <a:t>, </a:t>
+            </a:r>
+            <a:r>
+              <a:rPr lang="en-US" altLang="ko-KR" sz="2000" spc="79" dirty="0" smtClean="0">
+                <a:solidFill>
+                  <a:srgbClr val="000000"/>
+                </a:solidFill>
+                <a:latin typeface="넥슨Lv1고딕 Light" panose="00000300000000000000" pitchFamily="2" charset="-127"/>
+                <a:ea typeface="넥슨Lv1고딕 Light" panose="00000300000000000000" pitchFamily="2" charset="-127"/>
+                <a:cs typeface=" Avenir Next Arabic Bold"/>
+                <a:sym typeface=" Avenir Next Arabic Bold"/>
+              </a:rPr>
+              <a:t>Check</a:t>
+            </a:r>
+            <a:r>
+              <a:rPr lang="ko-KR" altLang="en-US" sz="2000" spc="79" dirty="0" smtClean="0">
+                <a:solidFill>
+                  <a:srgbClr val="000000"/>
+                </a:solidFill>
+                <a:latin typeface="넥슨Lv1고딕 Light" panose="00000300000000000000" pitchFamily="2" charset="-127"/>
+                <a:ea typeface="넥슨Lv1고딕 Light" panose="00000300000000000000" pitchFamily="2" charset="-127"/>
+                <a:cs typeface=" Avenir Next Arabic Bold"/>
+                <a:sym typeface=" Avenir Next Arabic Bold"/>
+              </a:rPr>
+              <a:t>함수를 구현해서 보이는 </a:t>
+            </a:r>
+            <a:r>
+              <a:rPr lang="ko-KR" altLang="en-US" sz="2000" spc="79" dirty="0">
+                <a:solidFill>
+                  <a:srgbClr val="000000"/>
+                </a:solidFill>
+                <a:latin typeface="넥슨Lv1고딕 Light" panose="00000300000000000000" pitchFamily="2" charset="-127"/>
+                <a:ea typeface="넥슨Lv1고딕 Light" panose="00000300000000000000" pitchFamily="2" charset="-127"/>
+                <a:cs typeface=" Avenir Next Arabic Bold"/>
+                <a:sym typeface=" Avenir Next Arabic Bold"/>
+              </a:rPr>
+              <a:t>면만 생성</a:t>
+            </a:r>
+            <a:r>
+              <a:rPr lang="en-US" altLang="ko-KR" sz="2000" spc="79" dirty="0" smtClean="0">
+                <a:solidFill>
+                  <a:srgbClr val="000000"/>
+                </a:solidFill>
+                <a:latin typeface="넥슨Lv1고딕 Light" panose="00000300000000000000" pitchFamily="2" charset="-127"/>
+                <a:ea typeface="넥슨Lv1고딕 Light" panose="00000300000000000000" pitchFamily="2" charset="-127"/>
+                <a:cs typeface=" Avenir Next Arabic Bold"/>
+                <a:sym typeface=" Avenir Next Arabic Bold"/>
+              </a:rPr>
+              <a:t>.</a:t>
+            </a:r>
+            <a:endParaRPr lang="en-US" altLang="ko-KR" sz="2000" spc="79" dirty="0">
+              <a:solidFill>
+                <a:srgbClr val="000000"/>
+              </a:solidFill>
+              <a:latin typeface="넥슨Lv1고딕 Light" panose="00000300000000000000" pitchFamily="2" charset="-127"/>
+              <a:ea typeface="넥슨Lv1고딕 Light" panose="00000300000000000000" pitchFamily="2" charset="-127"/>
+              <a:cs typeface=" Avenir Next Arabic Bold"/>
+              <a:sym typeface=" Avenir Next Arabic Bold"/>
+            </a:endParaRPr>
+          </a:p>
+        </p:txBody>
+      </p:sp>
+      <p:sp>
+        <p:nvSpPr>
+          <p:cNvPr id="3" name="TextBox 4">
+            <a:extLst>
+              <a:ext uri="{FF2B5EF4-FFF2-40B4-BE49-F238E27FC236}">
+                <a16:creationId xmlns:a16="http://schemas.microsoft.com/office/drawing/2014/main" id="{BFF4C1BF-8CC3-4849-DCF3-9ECC7A3B99D3}"/>
+              </a:ext>
+            </a:extLst>
+          </p:cNvPr>
+          <p:cNvSpPr txBox="1"/>
+          <p:nvPr/>
+        </p:nvSpPr>
+        <p:spPr>
+          <a:xfrm>
+            <a:off x="1567345" y="2952334"/>
+            <a:ext cx="5595455" cy="510524"/>
+          </a:xfrm>
+          <a:prstGeom prst="rect">
+            <a:avLst/>
+          </a:prstGeom>
+        </p:spPr>
+        <p:txBody>
+          <a:bodyPr wrap="square" lIns="0" tIns="0" rIns="0" bIns="0" rtlCol="0" anchor="t">
+            <a:spAutoFit/>
+          </a:bodyPr>
+          <a:lstStyle/>
+          <a:p>
+            <a:pPr algn="l">
+              <a:lnSpc>
+                <a:spcPts val="4200"/>
+              </a:lnSpc>
+              <a:spcBef>
+                <a:spcPct val="0"/>
+              </a:spcBef>
+            </a:pPr>
+            <a:r>
+              <a:rPr lang="ko-KR" altLang="en-US" sz="3000" spc="89" dirty="0">
+                <a:solidFill>
+                  <a:srgbClr val="000000"/>
+                </a:solidFill>
+                <a:latin typeface="넥슨Lv1고딕 Bold" panose="00000800000000000000" pitchFamily="2" charset="-127"/>
+                <a:ea typeface="넥슨Lv1고딕 Bold" panose="00000800000000000000" pitchFamily="2" charset="-127"/>
+                <a:cs typeface="Nanum Square Bold"/>
+                <a:sym typeface="Nanum Square Bold"/>
+              </a:rPr>
+              <a:t>해결 방안</a:t>
+            </a:r>
+            <a:endParaRPr lang="en-US" sz="3000" spc="89" dirty="0">
+              <a:solidFill>
+                <a:srgbClr val="000000"/>
+              </a:solidFill>
+              <a:latin typeface="넥슨Lv1고딕 Bold" panose="00000800000000000000" pitchFamily="2" charset="-127"/>
+              <a:ea typeface="넥슨Lv1고딕 Bold" panose="00000800000000000000" pitchFamily="2" charset="-127"/>
+              <a:cs typeface="Nanum Square Bold"/>
+              <a:sym typeface="Nanum Square Bold"/>
+            </a:endParaRPr>
+          </a:p>
+        </p:txBody>
+      </p:sp>
+      <p:pic>
+        <p:nvPicPr>
+          <p:cNvPr id="6" name="그림 5">
+            <a:extLst>
+              <a:ext uri="{FF2B5EF4-FFF2-40B4-BE49-F238E27FC236}">
+                <a16:creationId xmlns:a16="http://schemas.microsoft.com/office/drawing/2014/main" id="{BE4761C6-7CF4-A856-31E6-EA8486EDCEBE}"/>
+              </a:ext>
+            </a:extLst>
+          </p:cNvPr>
+          <p:cNvPicPr>
+            <a:picLocks noChangeAspect="1"/>
+          </p:cNvPicPr>
+          <p:nvPr/>
+        </p:nvPicPr>
+        <p:blipFill>
+          <a:blip r:embed="rId2"/>
+          <a:stretch>
+            <a:fillRect/>
+          </a:stretch>
+        </p:blipFill>
+        <p:spPr>
+          <a:xfrm>
+            <a:off x="2282687" y="6743700"/>
+            <a:ext cx="13722626" cy="2082766"/>
+          </a:xfrm>
+          <a:prstGeom prst="rect">
+            <a:avLst/>
+          </a:prstGeom>
+        </p:spPr>
+      </p:pic>
+      <p:sp>
+        <p:nvSpPr>
+          <p:cNvPr id="7" name="TextBox 4">
+            <a:extLst>
+              <a:ext uri="{FF2B5EF4-FFF2-40B4-BE49-F238E27FC236}">
+                <a16:creationId xmlns:a16="http://schemas.microsoft.com/office/drawing/2014/main" id="{63021AD7-8942-5C12-48C5-6267FB7C478D}"/>
+              </a:ext>
+            </a:extLst>
+          </p:cNvPr>
+          <p:cNvSpPr txBox="1"/>
+          <p:nvPr/>
+        </p:nvSpPr>
+        <p:spPr>
+          <a:xfrm>
+            <a:off x="3238500" y="8970249"/>
+            <a:ext cx="11811000" cy="615553"/>
+          </a:xfrm>
+          <a:prstGeom prst="rect">
+            <a:avLst/>
+          </a:prstGeom>
+        </p:spPr>
+        <p:txBody>
+          <a:bodyPr wrap="square" lIns="0" tIns="0" rIns="0" bIns="0" rtlCol="0" anchor="t">
+            <a:spAutoFit/>
+          </a:bodyPr>
+          <a:lstStyle/>
+          <a:p>
+            <a:pPr algn="ctr">
+              <a:spcBef>
+                <a:spcPct val="0"/>
+              </a:spcBef>
+            </a:pPr>
+            <a:r>
+              <a:rPr lang="ko-KR" altLang="en-US" sz="2000" spc="89" dirty="0">
+                <a:solidFill>
+                  <a:srgbClr val="000000"/>
+                </a:solidFill>
+                <a:latin typeface="넥슨Lv1고딕 Light" panose="00000300000000000000" pitchFamily="2" charset="-127"/>
+                <a:ea typeface="넥슨Lv1고딕 Light" panose="00000300000000000000" pitchFamily="2" charset="-127"/>
+                <a:cs typeface="Nanum Square Bold"/>
+                <a:sym typeface="Nanum Square Bold"/>
+              </a:rPr>
+              <a:t>블록의 면을 생성할 때</a:t>
+            </a:r>
+            <a:r>
+              <a:rPr lang="en-US" altLang="ko-KR" sz="2000" spc="89" dirty="0">
+                <a:solidFill>
+                  <a:srgbClr val="000000"/>
+                </a:solidFill>
+                <a:latin typeface="넥슨Lv1고딕 Light" panose="00000300000000000000" pitchFamily="2" charset="-127"/>
+                <a:ea typeface="넥슨Lv1고딕 Light" panose="00000300000000000000" pitchFamily="2" charset="-127"/>
+                <a:cs typeface="Nanum Square Bold"/>
+                <a:sym typeface="Nanum Square Bold"/>
+              </a:rPr>
+              <a:t>, 6</a:t>
+            </a:r>
+            <a:r>
+              <a:rPr lang="ko-KR" altLang="en-US" sz="2000" spc="89" dirty="0">
+                <a:solidFill>
+                  <a:srgbClr val="000000"/>
+                </a:solidFill>
+                <a:latin typeface="넥슨Lv1고딕 Light" panose="00000300000000000000" pitchFamily="2" charset="-127"/>
+                <a:ea typeface="넥슨Lv1고딕 Light" panose="00000300000000000000" pitchFamily="2" charset="-127"/>
+                <a:cs typeface="Nanum Square Bold"/>
+                <a:sym typeface="Nanum Square Bold"/>
+              </a:rPr>
+              <a:t>개의 면을 생성할지 판단하는 함수</a:t>
+            </a:r>
+            <a:r>
+              <a:rPr lang="en-US" altLang="ko-KR" sz="2000" spc="89" dirty="0">
+                <a:solidFill>
+                  <a:srgbClr val="000000"/>
+                </a:solidFill>
+                <a:latin typeface="넥슨Lv1고딕 Light" panose="00000300000000000000" pitchFamily="2" charset="-127"/>
+                <a:ea typeface="넥슨Lv1고딕 Light" panose="00000300000000000000" pitchFamily="2" charset="-127"/>
+                <a:cs typeface="Nanum Square Bold"/>
+                <a:sym typeface="Nanum Square Bold"/>
+              </a:rPr>
+              <a:t>:</a:t>
+            </a:r>
+          </a:p>
+          <a:p>
+            <a:pPr algn="ctr">
+              <a:spcBef>
+                <a:spcPct val="0"/>
+              </a:spcBef>
+            </a:pPr>
+            <a:r>
+              <a:rPr lang="ko-KR" altLang="en-US" sz="2000" spc="89" dirty="0">
+                <a:solidFill>
+                  <a:srgbClr val="000000"/>
+                </a:solidFill>
+                <a:latin typeface="넥슨Lv1고딕 Light" panose="00000300000000000000" pitchFamily="2" charset="-127"/>
+                <a:ea typeface="넥슨Lv1고딕 Light" panose="00000300000000000000" pitchFamily="2" charset="-127"/>
+                <a:cs typeface="Nanum Square Bold"/>
+                <a:sym typeface="Nanum Square Bold"/>
+              </a:rPr>
+              <a:t>인접한 블록 위치가 정해진 크기를 넘어가거나</a:t>
+            </a:r>
+            <a:r>
+              <a:rPr lang="en-US" altLang="ko-KR" sz="2000" spc="89" dirty="0">
+                <a:solidFill>
+                  <a:srgbClr val="000000"/>
+                </a:solidFill>
+                <a:latin typeface="넥슨Lv1고딕 Light" panose="00000300000000000000" pitchFamily="2" charset="-127"/>
+                <a:ea typeface="넥슨Lv1고딕 Light" panose="00000300000000000000" pitchFamily="2" charset="-127"/>
+                <a:cs typeface="Nanum Square Bold"/>
+                <a:sym typeface="Nanum Square Bold"/>
+              </a:rPr>
+              <a:t>, </a:t>
+            </a:r>
+            <a:r>
+              <a:rPr lang="ko-KR" altLang="en-US" sz="2000" spc="89" dirty="0">
+                <a:solidFill>
+                  <a:srgbClr val="000000"/>
+                </a:solidFill>
+                <a:latin typeface="넥슨Lv1고딕 Light" panose="00000300000000000000" pitchFamily="2" charset="-127"/>
+                <a:ea typeface="넥슨Lv1고딕 Light" panose="00000300000000000000" pitchFamily="2" charset="-127"/>
+                <a:cs typeface="Nanum Square Bold"/>
+                <a:sym typeface="Nanum Square Bold"/>
+              </a:rPr>
+              <a:t>인접한 블록이 투명 블록일 때 </a:t>
+            </a:r>
+            <a:r>
+              <a:rPr lang="en-US" altLang="ko-KR" sz="2000" spc="89" dirty="0">
+                <a:solidFill>
+                  <a:srgbClr val="000000"/>
+                </a:solidFill>
+                <a:latin typeface="넥슨Lv1고딕 Light" panose="00000300000000000000" pitchFamily="2" charset="-127"/>
+                <a:ea typeface="넥슨Lv1고딕 Light" panose="00000300000000000000" pitchFamily="2" charset="-127"/>
+                <a:cs typeface="Nanum Square Bold"/>
+                <a:sym typeface="Nanum Square Bold"/>
+              </a:rPr>
+              <a:t>true</a:t>
+            </a:r>
+            <a:r>
+              <a:rPr lang="ko-KR" altLang="en-US" sz="2000" spc="89" dirty="0">
+                <a:solidFill>
+                  <a:srgbClr val="000000"/>
+                </a:solidFill>
+                <a:latin typeface="넥슨Lv1고딕 Light" panose="00000300000000000000" pitchFamily="2" charset="-127"/>
+                <a:ea typeface="넥슨Lv1고딕 Light" panose="00000300000000000000" pitchFamily="2" charset="-127"/>
+                <a:cs typeface="Nanum Square Bold"/>
+                <a:sym typeface="Nanum Square Bold"/>
+              </a:rPr>
+              <a:t>를 반환</a:t>
+            </a:r>
+            <a:endParaRPr lang="en-US" sz="2000" spc="89" dirty="0">
+              <a:solidFill>
+                <a:srgbClr val="000000"/>
+              </a:solidFill>
+              <a:latin typeface="넥슨Lv1고딕 Light" panose="00000300000000000000" pitchFamily="2" charset="-127"/>
+              <a:ea typeface="넥슨Lv1고딕 Light" panose="00000300000000000000" pitchFamily="2" charset="-127"/>
+              <a:cs typeface="Nanum Square Bold"/>
+              <a:sym typeface="Nanum Square Bold"/>
+            </a:endParaRPr>
+          </a:p>
+        </p:txBody>
+      </p:sp>
+    </p:spTree>
+    <p:extLst>
+      <p:ext uri="{BB962C8B-B14F-4D97-AF65-F5344CB8AC3E}">
+        <p14:creationId xmlns:p14="http://schemas.microsoft.com/office/powerpoint/2010/main" val="2941995918"/>
+      </p:ext>
+    </p:extLst>
+  </p:cSld>
+  <p:clrMapOvr>
+    <a:masterClrMapping/>
+  </p:clrMapOvr>
+</p:sld>
+</file>
+
+<file path=ppt/slides/slide6.xml><?xml version="1.0" encoding="utf-8"?>
+<p:sld xmlns:a="http://schemas.openxmlformats.org/drawingml/2006/main" xmlns:r="http://schemas.openxmlformats.org/officeDocument/2006/relationships" xmlns:p="http://schemas.openxmlformats.org/presentationml/2006/main">
+  <p:cSld>
+    <p:bg>
+      <p:bgPr>
+        <a:solidFill>
+          <a:srgbClr val="F8F5F0"/>
+        </a:solidFill>
+        <a:effectLst/>
+      </p:bgPr>
+    </p:bg>
+    <p:spTree>
+      <p:nvGrpSpPr>
+        <p:cNvPr id="1" name=""/>
+        <p:cNvGrpSpPr/>
+        <p:nvPr/>
+      </p:nvGrpSpPr>
+      <p:grpSpPr>
+        <a:xfrm>
+          <a:off x="0" y="0"/>
+          <a:ext cx="0" cy="0"/>
+          <a:chOff x="0" y="0"/>
+          <a:chExt cx="0" cy="0"/>
+        </a:xfrm>
+      </p:grpSpPr>
+      <p:sp>
+        <p:nvSpPr>
+          <p:cNvPr id="4" name="TextBox 4"/>
+          <p:cNvSpPr txBox="1"/>
+          <p:nvPr/>
+        </p:nvSpPr>
+        <p:spPr>
+          <a:xfrm>
+            <a:off x="1567345" y="701198"/>
+            <a:ext cx="5595455" cy="510524"/>
+          </a:xfrm>
+          <a:prstGeom prst="rect">
+            <a:avLst/>
+          </a:prstGeom>
+        </p:spPr>
+        <p:txBody>
+          <a:bodyPr wrap="square" lIns="0" tIns="0" rIns="0" bIns="0" rtlCol="0" anchor="t">
+            <a:spAutoFit/>
+          </a:bodyPr>
+          <a:lstStyle/>
+          <a:p>
+            <a:pPr algn="l">
+              <a:lnSpc>
+                <a:spcPts val="4200"/>
+              </a:lnSpc>
+              <a:spcBef>
+                <a:spcPct val="0"/>
+              </a:spcBef>
+            </a:pPr>
+            <a:r>
+              <a:rPr lang="ko-KR" altLang="en-US" sz="3000" spc="89" dirty="0">
+                <a:solidFill>
+                  <a:srgbClr val="000000"/>
+                </a:solidFill>
+                <a:latin typeface="넥슨Lv1고딕 Bold" panose="00000800000000000000" pitchFamily="2" charset="-127"/>
+                <a:ea typeface="넥슨Lv1고딕 Bold" panose="00000800000000000000" pitchFamily="2" charset="-127"/>
+                <a:cs typeface="Nanum Square Bold"/>
+                <a:sym typeface="Nanum Square Bold"/>
+              </a:rPr>
+              <a:t>제작 시 어려웠던 부분</a:t>
+            </a:r>
+            <a:endParaRPr lang="en-US" sz="3000" spc="89" dirty="0">
+              <a:solidFill>
+                <a:srgbClr val="000000"/>
+              </a:solidFill>
+              <a:latin typeface="넥슨Lv1고딕 Bold" panose="00000800000000000000" pitchFamily="2" charset="-127"/>
+              <a:ea typeface="넥슨Lv1고딕 Bold" panose="00000800000000000000" pitchFamily="2" charset="-127"/>
+              <a:cs typeface="Nanum Square Bold"/>
+              <a:sym typeface="Nanum Square Bold"/>
+            </a:endParaRPr>
+          </a:p>
+        </p:txBody>
+      </p:sp>
+      <p:sp>
+        <p:nvSpPr>
+          <p:cNvPr id="9" name="TextBox 5">
+            <a:extLst>
+              <a:ext uri="{FF2B5EF4-FFF2-40B4-BE49-F238E27FC236}">
+                <a16:creationId xmlns:a16="http://schemas.microsoft.com/office/drawing/2014/main" id="{3CC6EE9A-B926-A6D1-3683-FA7E2D3CACFB}"/>
+              </a:ext>
+            </a:extLst>
+          </p:cNvPr>
+          <p:cNvSpPr txBox="1"/>
+          <p:nvPr/>
+        </p:nvSpPr>
+        <p:spPr>
+          <a:xfrm>
+            <a:off x="1567345" y="1422556"/>
+            <a:ext cx="15120455" cy="516423"/>
+          </a:xfrm>
+          <a:prstGeom prst="rect">
+            <a:avLst/>
+          </a:prstGeom>
+        </p:spPr>
+        <p:txBody>
+          <a:bodyPr wrap="square" lIns="0" tIns="0" rIns="0" bIns="0" rtlCol="0" anchor="t">
+            <a:spAutoFit/>
+          </a:bodyPr>
+          <a:lstStyle/>
+          <a:p>
+            <a:pPr>
+              <a:lnSpc>
+                <a:spcPct val="150000"/>
+              </a:lnSpc>
+              <a:spcBef>
+                <a:spcPct val="0"/>
+              </a:spcBef>
+            </a:pPr>
+            <a:r>
+              <a:rPr lang="en-US" altLang="ko-KR" sz="2500" b="1" spc="79" dirty="0" smtClean="0">
+                <a:solidFill>
+                  <a:srgbClr val="0070C0"/>
+                </a:solidFill>
+                <a:latin typeface="넥슨Lv1고딕 Light" panose="00000300000000000000" pitchFamily="2" charset="-127"/>
+                <a:ea typeface="넥슨Lv1고딕 Light" panose="00000300000000000000" pitchFamily="2" charset="-127"/>
+                <a:cs typeface=" Avenir Next Arabic Bold"/>
+                <a:sym typeface=" Avenir Next Arabic Bold"/>
+              </a:rPr>
+              <a:t>- </a:t>
+            </a:r>
+            <a:r>
+              <a:rPr lang="ko-KR" altLang="en-US" sz="2500" b="1" spc="79" dirty="0" smtClean="0">
+                <a:solidFill>
+                  <a:srgbClr val="0070C0"/>
+                </a:solidFill>
+                <a:latin typeface="넥슨Lv1고딕 Light" panose="00000300000000000000" pitchFamily="2" charset="-127"/>
+                <a:ea typeface="넥슨Lv1고딕 Light" panose="00000300000000000000" pitchFamily="2" charset="-127"/>
+                <a:cs typeface=" Avenir Next Arabic Bold"/>
+                <a:sym typeface=" Avenir Next Arabic Bold"/>
+              </a:rPr>
+              <a:t>추가 필요</a:t>
+            </a:r>
+            <a:endParaRPr lang="en-US" altLang="ko-KR" sz="2500" b="1" spc="79" dirty="0">
+              <a:solidFill>
+                <a:srgbClr val="0070C0"/>
+              </a:solidFill>
+              <a:latin typeface="넥슨Lv1고딕 Light" panose="00000300000000000000" pitchFamily="2" charset="-127"/>
+              <a:ea typeface="넥슨Lv1고딕 Light" panose="00000300000000000000" pitchFamily="2" charset="-127"/>
+              <a:cs typeface=" Avenir Next Arabic Bold"/>
+              <a:sym typeface=" Avenir Next Arabic Bold"/>
+            </a:endParaRPr>
+          </a:p>
+        </p:txBody>
+      </p:sp>
+      <p:sp>
+        <p:nvSpPr>
+          <p:cNvPr id="3" name="TextBox 4">
+            <a:extLst>
+              <a:ext uri="{FF2B5EF4-FFF2-40B4-BE49-F238E27FC236}">
+                <a16:creationId xmlns:a16="http://schemas.microsoft.com/office/drawing/2014/main" id="{BFF4C1BF-8CC3-4849-DCF3-9ECC7A3B99D3}"/>
+              </a:ext>
+            </a:extLst>
+          </p:cNvPr>
+          <p:cNvSpPr txBox="1"/>
+          <p:nvPr/>
+        </p:nvSpPr>
+        <p:spPr>
+          <a:xfrm>
+            <a:off x="1567345" y="2952334"/>
+            <a:ext cx="5595455" cy="510524"/>
+          </a:xfrm>
+          <a:prstGeom prst="rect">
+            <a:avLst/>
+          </a:prstGeom>
+        </p:spPr>
+        <p:txBody>
+          <a:bodyPr wrap="square" lIns="0" tIns="0" rIns="0" bIns="0" rtlCol="0" anchor="t">
+            <a:spAutoFit/>
+          </a:bodyPr>
+          <a:lstStyle/>
+          <a:p>
+            <a:pPr algn="l">
+              <a:lnSpc>
+                <a:spcPts val="4200"/>
+              </a:lnSpc>
+              <a:spcBef>
+                <a:spcPct val="0"/>
+              </a:spcBef>
+            </a:pPr>
+            <a:r>
+              <a:rPr lang="ko-KR" altLang="en-US" sz="3000" spc="89" dirty="0">
+                <a:solidFill>
+                  <a:srgbClr val="000000"/>
+                </a:solidFill>
+                <a:latin typeface="넥슨Lv1고딕 Bold" panose="00000800000000000000" pitchFamily="2" charset="-127"/>
+                <a:ea typeface="넥슨Lv1고딕 Bold" panose="00000800000000000000" pitchFamily="2" charset="-127"/>
+                <a:cs typeface="Nanum Square Bold"/>
+                <a:sym typeface="Nanum Square Bold"/>
+              </a:rPr>
+              <a:t>해결 방안</a:t>
+            </a:r>
+            <a:endParaRPr lang="en-US" sz="3000" spc="89" dirty="0">
+              <a:solidFill>
+                <a:srgbClr val="000000"/>
+              </a:solidFill>
+              <a:latin typeface="넥슨Lv1고딕 Bold" panose="00000800000000000000" pitchFamily="2" charset="-127"/>
+              <a:ea typeface="넥슨Lv1고딕 Bold" panose="00000800000000000000" pitchFamily="2" charset="-127"/>
+              <a:cs typeface="Nanum Square Bold"/>
+              <a:sym typeface="Nanum Square Bold"/>
+            </a:endParaRPr>
+          </a:p>
+        </p:txBody>
+      </p:sp>
+    </p:spTree>
+    <p:extLst>
+      <p:ext uri="{BB962C8B-B14F-4D97-AF65-F5344CB8AC3E}">
+        <p14:creationId xmlns:p14="http://schemas.microsoft.com/office/powerpoint/2010/main" val="1749549915"/>
+      </p:ext>
+    </p:extLst>
+  </p:cSld>
+  <p:clrMapOvr>
+    <a:masterClrMapping/>
+  </p:clrMapOvr>
+</p:sld>
+</file>
+
+<file path=ppt/slides/slide7.xml><?xml version="1.0" encoding="utf-8"?>
+<p:sld xmlns:a="http://schemas.openxmlformats.org/drawingml/2006/main" xmlns:r="http://schemas.openxmlformats.org/officeDocument/2006/relationships" xmlns:p="http://schemas.openxmlformats.org/presentationml/2006/main">
+  <p:cSld>
+    <p:bg>
+      <p:bgPr>
+        <a:solidFill>
+          <a:srgbClr val="F8F5F0"/>
+        </a:solidFill>
+        <a:effectLst/>
+      </p:bgPr>
+    </p:bg>
+    <p:spTree>
+      <p:nvGrpSpPr>
+        <p:cNvPr id="1" name=""/>
+        <p:cNvGrpSpPr/>
+        <p:nvPr/>
+      </p:nvGrpSpPr>
+      <p:grpSpPr>
+        <a:xfrm>
+          <a:off x="0" y="0"/>
+          <a:ext cx="0" cy="0"/>
+          <a:chOff x="0" y="0"/>
+          <a:chExt cx="0" cy="0"/>
+        </a:xfrm>
+      </p:grpSpPr>
+      <p:sp>
+        <p:nvSpPr>
+          <p:cNvPr id="4" name="TextBox 4"/>
+          <p:cNvSpPr txBox="1"/>
+          <p:nvPr/>
+        </p:nvSpPr>
+        <p:spPr>
+          <a:xfrm>
+            <a:off x="1524000" y="1221743"/>
+            <a:ext cx="8686800" cy="519373"/>
+          </a:xfrm>
+          <a:prstGeom prst="rect">
+            <a:avLst/>
+          </a:prstGeom>
+        </p:spPr>
+        <p:txBody>
+          <a:bodyPr wrap="square" lIns="0" tIns="0" rIns="0" bIns="0" rtlCol="0" anchor="t">
+            <a:spAutoFit/>
+          </a:bodyPr>
+          <a:lstStyle/>
+          <a:p>
+            <a:pPr algn="l">
+              <a:lnSpc>
+                <a:spcPts val="4200"/>
+              </a:lnSpc>
+              <a:spcBef>
+                <a:spcPct val="0"/>
+              </a:spcBef>
+            </a:pPr>
+            <a:r>
+              <a:rPr lang="en-US" sz="3000" spc="89" dirty="0">
+                <a:solidFill>
+                  <a:srgbClr val="000000"/>
+                </a:solidFill>
+                <a:latin typeface="아리따-부리(TTF)-Bold" panose="02020603020101020101" pitchFamily="18" charset="-127"/>
+                <a:ea typeface="아리따-부리(TTF)-Bold" panose="02020603020101020101" pitchFamily="18" charset="-127"/>
+                <a:cs typeface="Nanum Square Bold"/>
+                <a:sym typeface="Nanum Square Bold"/>
+              </a:rPr>
+              <a:t>Fire boy &amp; Water girl – Mario Edition</a:t>
+            </a:r>
+          </a:p>
+        </p:txBody>
+      </p:sp>
+      <p:sp>
+        <p:nvSpPr>
+          <p:cNvPr id="9" name="TextBox 5">
+            <a:extLst>
+              <a:ext uri="{FF2B5EF4-FFF2-40B4-BE49-F238E27FC236}">
+                <a16:creationId xmlns:a16="http://schemas.microsoft.com/office/drawing/2014/main" id="{3CC6EE9A-B926-A6D1-3683-FA7E2D3CACFB}"/>
+              </a:ext>
+            </a:extLst>
+          </p:cNvPr>
+          <p:cNvSpPr txBox="1"/>
+          <p:nvPr/>
+        </p:nvSpPr>
+        <p:spPr>
+          <a:xfrm>
+            <a:off x="1524000" y="1943100"/>
+            <a:ext cx="13596455" cy="7107267"/>
+          </a:xfrm>
+          <a:prstGeom prst="rect">
+            <a:avLst/>
+          </a:prstGeom>
+        </p:spPr>
+        <p:txBody>
+          <a:bodyPr wrap="square" lIns="0" tIns="0" rIns="0" bIns="0" rtlCol="0" anchor="t">
+            <a:spAutoFit/>
+          </a:bodyPr>
+          <a:lstStyle/>
+          <a:p>
+            <a:pPr algn="l">
+              <a:lnSpc>
+                <a:spcPct val="150000"/>
+              </a:lnSpc>
+              <a:spcBef>
+                <a:spcPct val="0"/>
+              </a:spcBef>
+            </a:pPr>
+            <a:r>
               <a:rPr lang="en-US" altLang="ko-KR" sz="2500" spc="79" dirty="0">
                 <a:solidFill>
                   <a:srgbClr val="000000"/>
@@ -5966,16 +6532,16 @@
               <a:t>2</a:t>
             </a:r>
             <a:r>
-              <a:rPr lang="ko-KR" altLang="en-US" sz="2500" spc="79" dirty="0">
-                <a:solidFill>
-                  <a:srgbClr val="000000"/>
-                </a:solidFill>
-                <a:latin typeface="넥슨Lv1고딕 Light" panose="00000300000000000000" pitchFamily="2" charset="-127"/>
-                <a:ea typeface="넥슨Lv1고딕 Light" panose="00000300000000000000" pitchFamily="2" charset="-127"/>
-                <a:cs typeface=" Avenir Next Arabic Bold"/>
-                <a:sym typeface=" Avenir Next Arabic Bold"/>
-              </a:rPr>
-              <a:t>인용 플래시 게임</a:t>
+              <a:rPr lang="ko-KR" altLang="en-US" sz="2500" spc="79" dirty="0" smtClean="0">
+                <a:solidFill>
+                  <a:srgbClr val="000000"/>
+                </a:solidFill>
+                <a:latin typeface="넥슨Lv1고딕 Light" panose="00000300000000000000" pitchFamily="2" charset="-127"/>
+                <a:ea typeface="넥슨Lv1고딕 Light" panose="00000300000000000000" pitchFamily="2" charset="-127"/>
+                <a:cs typeface=" Avenir Next Arabic Bold"/>
+                <a:sym typeface=" Avenir Next Arabic Bold"/>
+              </a:rPr>
+              <a:t>인용 협동 액션 게임</a:t>
             </a:r>
             <a:endParaRPr lang="en-US" altLang="ko-KR" sz="2500" spc="79" dirty="0">
               <a:solidFill>
@@ -6513,16 +7079,16 @@
               <a:buChar char="-"/>
             </a:pPr>
             <a:r>
-              <a:rPr lang="ko-KR" altLang="en-US" sz="2000" spc="79" dirty="0">
-                <a:solidFill>
-                  <a:srgbClr val="000000"/>
-                </a:solidFill>
-                <a:latin typeface="넥슨Lv1고딕 Light" panose="00000300000000000000" pitchFamily="2" charset="-127"/>
-                <a:ea typeface="넥슨Lv1고딕 Light" panose="00000300000000000000" pitchFamily="2" charset="-127"/>
-                <a:cs typeface=" Avenir Next Arabic Bold"/>
-                <a:sym typeface=" Avenir Next Arabic Bold"/>
-              </a:rPr>
-              <a:t>카메라 이동 구현</a:t>
+              <a:rPr lang="ko-KR" altLang="en-US" sz="2000" spc="79" dirty="0" smtClean="0">
+                <a:solidFill>
+                  <a:srgbClr val="000000"/>
+                </a:solidFill>
+                <a:latin typeface="넥슨Lv1고딕 Light" panose="00000300000000000000" pitchFamily="2" charset="-127"/>
+                <a:ea typeface="넥슨Lv1고딕 Light" panose="00000300000000000000" pitchFamily="2" charset="-127"/>
+                <a:cs typeface=" Avenir Next Arabic Bold"/>
+                <a:sym typeface=" Avenir Next Arabic Bold"/>
+              </a:rPr>
+              <a:t>맵 스크롤 구현</a:t>
             </a:r>
             <a:endParaRPr lang="en-US" altLang="ko-KR" sz="2000" spc="79" dirty="0">
               <a:solidFill>
@@ -6594,7 +7160,7 @@
 </p:sld>
 </file>
 
-<file path=ppt/slides/slide6.xml><?xml version="1.0" encoding="utf-8"?>
+<file path=ppt/slides/slide8.xml><?xml version="1.0" encoding="utf-8"?>
 <p:sld xmlns:a="http://schemas.openxmlformats.org/drawingml/2006/main" xmlns:r="http://schemas.openxmlformats.org/officeDocument/2006/relationships" xmlns:p="http://schemas.openxmlformats.org/presentationml/2006/main">
   <p:cSld>
     <p:bg>
